--- a/Week 2/git.pptx
+++ b/Week 2/git.pptx
@@ -10,21 +10,28 @@
     <p:sldId id="264" r:id="rId4"/>
     <p:sldId id="274" r:id="rId5"/>
     <p:sldId id="265" r:id="rId6"/>
-    <p:sldId id="275" r:id="rId7"/>
-    <p:sldId id="266" r:id="rId8"/>
-    <p:sldId id="277" r:id="rId9"/>
-    <p:sldId id="267" r:id="rId10"/>
-    <p:sldId id="268" r:id="rId11"/>
-    <p:sldId id="259" r:id="rId12"/>
-    <p:sldId id="260" r:id="rId13"/>
-    <p:sldId id="261" r:id="rId14"/>
-    <p:sldId id="263" r:id="rId15"/>
-    <p:sldId id="262" r:id="rId16"/>
-    <p:sldId id="270" r:id="rId17"/>
-    <p:sldId id="271" r:id="rId18"/>
-    <p:sldId id="272" r:id="rId19"/>
-    <p:sldId id="273" r:id="rId20"/>
-    <p:sldId id="276" r:id="rId21"/>
+    <p:sldId id="283" r:id="rId7"/>
+    <p:sldId id="275" r:id="rId8"/>
+    <p:sldId id="266" r:id="rId9"/>
+    <p:sldId id="277" r:id="rId10"/>
+    <p:sldId id="267" r:id="rId11"/>
+    <p:sldId id="268" r:id="rId12"/>
+    <p:sldId id="259" r:id="rId13"/>
+    <p:sldId id="260" r:id="rId14"/>
+    <p:sldId id="261" r:id="rId15"/>
+    <p:sldId id="263" r:id="rId16"/>
+    <p:sldId id="284" r:id="rId17"/>
+    <p:sldId id="262" r:id="rId18"/>
+    <p:sldId id="270" r:id="rId19"/>
+    <p:sldId id="271" r:id="rId20"/>
+    <p:sldId id="272" r:id="rId21"/>
+    <p:sldId id="278" r:id="rId22"/>
+    <p:sldId id="281" r:id="rId23"/>
+    <p:sldId id="279" r:id="rId24"/>
+    <p:sldId id="280" r:id="rId25"/>
+    <p:sldId id="282" r:id="rId26"/>
+    <p:sldId id="273" r:id="rId27"/>
+    <p:sldId id="276" r:id="rId28"/>
   </p:sldIdLst>
   <p:sldSz cx="12192000" cy="6858000"/>
   <p:notesSz cx="6858000" cy="9144000"/>
@@ -280,7 +287,7 @@
           <a:p>
             <a:fld id="{BA760CC2-DE17-47C4-A1E1-01B8D49B03B8}" type="datetimeFigureOut">
               <a:rPr lang="en-IN" smtClean="0"/>
-              <a:t>24-05-2025</a:t>
+              <a:t>20-08-2025</a:t>
             </a:fld>
             <a:endParaRPr lang="en-IN"/>
           </a:p>
@@ -480,7 +487,7 @@
           <a:p>
             <a:fld id="{BA760CC2-DE17-47C4-A1E1-01B8D49B03B8}" type="datetimeFigureOut">
               <a:rPr lang="en-IN" smtClean="0"/>
-              <a:t>24-05-2025</a:t>
+              <a:t>20-08-2025</a:t>
             </a:fld>
             <a:endParaRPr lang="en-IN"/>
           </a:p>
@@ -690,7 +697,7 @@
           <a:p>
             <a:fld id="{BA760CC2-DE17-47C4-A1E1-01B8D49B03B8}" type="datetimeFigureOut">
               <a:rPr lang="en-IN" smtClean="0"/>
-              <a:t>24-05-2025</a:t>
+              <a:t>20-08-2025</a:t>
             </a:fld>
             <a:endParaRPr lang="en-IN"/>
           </a:p>
@@ -890,7 +897,7 @@
           <a:p>
             <a:fld id="{BA760CC2-DE17-47C4-A1E1-01B8D49B03B8}" type="datetimeFigureOut">
               <a:rPr lang="en-IN" smtClean="0"/>
-              <a:t>24-05-2025</a:t>
+              <a:t>20-08-2025</a:t>
             </a:fld>
             <a:endParaRPr lang="en-IN"/>
           </a:p>
@@ -1166,7 +1173,7 @@
           <a:p>
             <a:fld id="{BA760CC2-DE17-47C4-A1E1-01B8D49B03B8}" type="datetimeFigureOut">
               <a:rPr lang="en-IN" smtClean="0"/>
-              <a:t>24-05-2025</a:t>
+              <a:t>20-08-2025</a:t>
             </a:fld>
             <a:endParaRPr lang="en-IN"/>
           </a:p>
@@ -1434,7 +1441,7 @@
           <a:p>
             <a:fld id="{BA760CC2-DE17-47C4-A1E1-01B8D49B03B8}" type="datetimeFigureOut">
               <a:rPr lang="en-IN" smtClean="0"/>
-              <a:t>24-05-2025</a:t>
+              <a:t>20-08-2025</a:t>
             </a:fld>
             <a:endParaRPr lang="en-IN"/>
           </a:p>
@@ -1849,7 +1856,7 @@
           <a:p>
             <a:fld id="{BA760CC2-DE17-47C4-A1E1-01B8D49B03B8}" type="datetimeFigureOut">
               <a:rPr lang="en-IN" smtClean="0"/>
-              <a:t>24-05-2025</a:t>
+              <a:t>20-08-2025</a:t>
             </a:fld>
             <a:endParaRPr lang="en-IN"/>
           </a:p>
@@ -1991,7 +1998,7 @@
           <a:p>
             <a:fld id="{BA760CC2-DE17-47C4-A1E1-01B8D49B03B8}" type="datetimeFigureOut">
               <a:rPr lang="en-IN" smtClean="0"/>
-              <a:t>24-05-2025</a:t>
+              <a:t>20-08-2025</a:t>
             </a:fld>
             <a:endParaRPr lang="en-IN"/>
           </a:p>
@@ -2104,7 +2111,7 @@
           <a:p>
             <a:fld id="{BA760CC2-DE17-47C4-A1E1-01B8D49B03B8}" type="datetimeFigureOut">
               <a:rPr lang="en-IN" smtClean="0"/>
-              <a:t>24-05-2025</a:t>
+              <a:t>20-08-2025</a:t>
             </a:fld>
             <a:endParaRPr lang="en-IN"/>
           </a:p>
@@ -2417,7 +2424,7 @@
           <a:p>
             <a:fld id="{BA760CC2-DE17-47C4-A1E1-01B8D49B03B8}" type="datetimeFigureOut">
               <a:rPr lang="en-IN" smtClean="0"/>
-              <a:t>24-05-2025</a:t>
+              <a:t>20-08-2025</a:t>
             </a:fld>
             <a:endParaRPr lang="en-IN"/>
           </a:p>
@@ -2706,7 +2713,7 @@
           <a:p>
             <a:fld id="{BA760CC2-DE17-47C4-A1E1-01B8D49B03B8}" type="datetimeFigureOut">
               <a:rPr lang="en-IN" smtClean="0"/>
-              <a:t>24-05-2025</a:t>
+              <a:t>20-08-2025</a:t>
             </a:fld>
             <a:endParaRPr lang="en-IN"/>
           </a:p>
@@ -2949,7 +2956,7 @@
           <a:p>
             <a:fld id="{BA760CC2-DE17-47C4-A1E1-01B8D49B03B8}" type="datetimeFigureOut">
               <a:rPr lang="en-IN" smtClean="0"/>
-              <a:t>24-05-2025</a:t>
+              <a:t>20-08-2025</a:t>
             </a:fld>
             <a:endParaRPr lang="en-IN"/>
           </a:p>
@@ -3603,6 +3610,156 @@
         <p:spPr>
           <a:xfrm>
             <a:off x="1478604" y="407446"/>
+            <a:ext cx="10359957" cy="4420890"/>
+          </a:xfrm>
+          <a:prstGeom prst="rect">
+            <a:avLst/>
+          </a:prstGeom>
+          <a:noFill/>
+        </p:spPr>
+        <p:txBody>
+          <a:bodyPr wrap="square" rtlCol="0">
+            <a:spAutoFit/>
+          </a:bodyPr>
+          <a:lstStyle/>
+          <a:p>
+            <a:pPr algn="l"/>
+            <a:r>
+              <a:rPr lang="en-US" sz="2400" dirty="0">
+                <a:solidFill>
+                  <a:schemeClr val="accent1"/>
+                </a:solidFill>
+              </a:rPr>
+              <a:t>git config --global alias.&lt;alias-name&gt; &lt;git-command&gt;: </a:t>
+            </a:r>
+            <a:r>
+              <a:rPr lang="en-US" sz="2400" dirty="0"/>
+              <a:t>Creates an alias for a frequently used Git command.</a:t>
+            </a:r>
+          </a:p>
+          <a:p>
+            <a:pPr algn="l"/>
+            <a:endParaRPr lang="en-US" sz="2400" dirty="0"/>
+          </a:p>
+          <a:p>
+            <a:pPr algn="l"/>
+            <a:r>
+              <a:rPr lang="en-US" sz="2400" dirty="0"/>
+              <a:t>git config –global user.name “</a:t>
+            </a:r>
+            <a:r>
+              <a:rPr lang="en-US" sz="2400" dirty="0" err="1"/>
+              <a:t>pranjal</a:t>
+            </a:r>
+            <a:r>
+              <a:rPr lang="en-US" sz="2400" dirty="0"/>
+              <a:t>”</a:t>
+            </a:r>
+          </a:p>
+          <a:p>
+            <a:pPr algn="l"/>
+            <a:r>
+              <a:rPr lang="en-US" sz="2400" dirty="0"/>
+              <a:t>git config –global </a:t>
+            </a:r>
+            <a:r>
+              <a:rPr lang="en-US" sz="2400" dirty="0" err="1"/>
+              <a:t>user.email</a:t>
+            </a:r>
+            <a:r>
+              <a:rPr lang="en-US" sz="2400" dirty="0"/>
+              <a:t> “”</a:t>
+            </a:r>
+          </a:p>
+          <a:p>
+            <a:pPr algn="l"/>
+            <a:endParaRPr lang="en-US" sz="2400" dirty="0"/>
+          </a:p>
+          <a:p>
+            <a:pPr algn="l"/>
+            <a:r>
+              <a:rPr lang="en-US" sz="2400"/>
+              <a:t>C:\Users\Username\.gitconfig</a:t>
+            </a:r>
+            <a:endParaRPr lang="en-US" sz="2400" dirty="0"/>
+          </a:p>
+          <a:p>
+            <a:pPr algn="l"/>
+            <a:endParaRPr lang="en-US" sz="2400" dirty="0"/>
+          </a:p>
+          <a:p>
+            <a:pPr>
+              <a:lnSpc>
+                <a:spcPct val="200000"/>
+              </a:lnSpc>
+            </a:pPr>
+            <a:endParaRPr lang="en-US" sz="2400" dirty="0">
+              <a:solidFill>
+                <a:schemeClr val="accent1"/>
+              </a:solidFill>
+            </a:endParaRPr>
+          </a:p>
+          <a:p>
+            <a:pPr>
+              <a:lnSpc>
+                <a:spcPct val="200000"/>
+              </a:lnSpc>
+            </a:pPr>
+            <a:endParaRPr lang="en-US" sz="2400" b="0" i="0" dirty="0">
+              <a:solidFill>
+                <a:srgbClr val="374151"/>
+              </a:solidFill>
+              <a:effectLst/>
+              <a:latin typeface="Söhne"/>
+            </a:endParaRPr>
+          </a:p>
+        </p:txBody>
+      </p:sp>
+    </p:spTree>
+    <p:extLst>
+      <p:ext uri="{BB962C8B-B14F-4D97-AF65-F5344CB8AC3E}">
+        <p14:creationId xmlns:p14="http://schemas.microsoft.com/office/powerpoint/2010/main" val="3818197201"/>
+      </p:ext>
+    </p:extLst>
+  </p:cSld>
+  <p:clrMapOvr>
+    <a:masterClrMapping/>
+  </p:clrMapOvr>
+</p:sld>
+</file>
+
+<file path=ppt/slides/slide11.xml><?xml version="1.0" encoding="utf-8"?>
+<p:sld xmlns:a="http://schemas.openxmlformats.org/drawingml/2006/main" xmlns:r="http://schemas.openxmlformats.org/officeDocument/2006/relationships" xmlns:p="http://schemas.openxmlformats.org/presentationml/2006/main">
+  <p:cSld>
+    <p:spTree>
+      <p:nvGrpSpPr>
+        <p:cNvPr id="1" name=""/>
+        <p:cNvGrpSpPr/>
+        <p:nvPr/>
+      </p:nvGrpSpPr>
+      <p:grpSpPr>
+        <a:xfrm>
+          <a:off x="0" y="0"/>
+          <a:ext cx="0" cy="0"/>
+          <a:chOff x="0" y="0"/>
+          <a:chExt cx="0" cy="0"/>
+        </a:xfrm>
+      </p:grpSpPr>
+      <p:sp>
+        <p:nvSpPr>
+          <p:cNvPr id="4" name="TextBox 3">
+            <a:extLst>
+              <a:ext uri="{FF2B5EF4-FFF2-40B4-BE49-F238E27FC236}">
+                <a16:creationId xmlns:a16="http://schemas.microsoft.com/office/drawing/2014/main" id="{D8F93EAF-0AD0-13F9-AEC8-82377BD25CB8}"/>
+              </a:ext>
+            </a:extLst>
+          </p:cNvPr>
+          <p:cNvSpPr txBox="1"/>
+          <p:nvPr/>
+        </p:nvSpPr>
+        <p:spPr>
+          <a:xfrm>
+            <a:off x="1478604" y="407446"/>
             <a:ext cx="10359957" cy="6636881"/>
           </a:xfrm>
           <a:prstGeom prst="rect">
@@ -3733,7 +3890,7 @@
 </p:sld>
 </file>
 
-<file path=ppt/slides/slide11.xml><?xml version="1.0" encoding="utf-8"?>
+<file path=ppt/slides/slide12.xml><?xml version="1.0" encoding="utf-8"?>
 <p:sld xmlns:a="http://schemas.openxmlformats.org/drawingml/2006/main" xmlns:r="http://schemas.openxmlformats.org/officeDocument/2006/relationships" xmlns:p="http://schemas.openxmlformats.org/presentationml/2006/main">
   <p:cSld>
     <p:spTree>
@@ -3868,7 +4025,7 @@
 </p:sld>
 </file>
 
-<file path=ppt/slides/slide12.xml><?xml version="1.0" encoding="utf-8"?>
+<file path=ppt/slides/slide13.xml><?xml version="1.0" encoding="utf-8"?>
 <p:sld xmlns:a="http://schemas.openxmlformats.org/drawingml/2006/main" xmlns:r="http://schemas.openxmlformats.org/officeDocument/2006/relationships" xmlns:p="http://schemas.openxmlformats.org/presentationml/2006/main">
   <p:cSld>
     <p:spTree>
@@ -4086,7 +4243,7 @@
 </p:sld>
 </file>
 
-<file path=ppt/slides/slide13.xml><?xml version="1.0" encoding="utf-8"?>
+<file path=ppt/slides/slide14.xml><?xml version="1.0" encoding="utf-8"?>
 <p:sld xmlns:a="http://schemas.openxmlformats.org/drawingml/2006/main" xmlns:r="http://schemas.openxmlformats.org/officeDocument/2006/relationships" xmlns:p="http://schemas.openxmlformats.org/presentationml/2006/main">
   <p:cSld>
     <p:spTree>
@@ -4395,7 +4552,7 @@
 </p:sld>
 </file>
 
-<file path=ppt/slides/slide14.xml><?xml version="1.0" encoding="utf-8"?>
+<file path=ppt/slides/slide15.xml><?xml version="1.0" encoding="utf-8"?>
 <p:sld xmlns:a="http://schemas.openxmlformats.org/drawingml/2006/main" xmlns:r="http://schemas.openxmlformats.org/officeDocument/2006/relationships" xmlns:p="http://schemas.openxmlformats.org/presentationml/2006/main">
   <p:cSld>
     <p:spTree>
@@ -4554,7 +4711,124 @@
 </p:sld>
 </file>
 
-<file path=ppt/slides/slide15.xml><?xml version="1.0" encoding="utf-8"?>
+<file path=ppt/slides/slide16.xml><?xml version="1.0" encoding="utf-8"?>
+<p:sld xmlns:a="http://schemas.openxmlformats.org/drawingml/2006/main" xmlns:r="http://schemas.openxmlformats.org/officeDocument/2006/relationships" xmlns:p="http://schemas.openxmlformats.org/presentationml/2006/main">
+  <p:cSld>
+    <p:spTree>
+      <p:nvGrpSpPr>
+        <p:cNvPr id="1" name=""/>
+        <p:cNvGrpSpPr/>
+        <p:nvPr/>
+      </p:nvGrpSpPr>
+      <p:grpSpPr>
+        <a:xfrm>
+          <a:off x="0" y="0"/>
+          <a:ext cx="0" cy="0"/>
+          <a:chOff x="0" y="0"/>
+          <a:chExt cx="0" cy="0"/>
+        </a:xfrm>
+      </p:grpSpPr>
+      <p:sp>
+        <p:nvSpPr>
+          <p:cNvPr id="2" name="Title 1">
+            <a:extLst>
+              <a:ext uri="{FF2B5EF4-FFF2-40B4-BE49-F238E27FC236}">
+                <a16:creationId xmlns:a16="http://schemas.microsoft.com/office/drawing/2014/main" id="{0D08C635-33F4-ECB6-21ED-8F97C5259275}"/>
+              </a:ext>
+            </a:extLst>
+          </p:cNvPr>
+          <p:cNvSpPr>
+            <a:spLocks noGrp="1"/>
+          </p:cNvSpPr>
+          <p:nvPr>
+            <p:ph type="title"/>
+          </p:nvPr>
+        </p:nvSpPr>
+        <p:spPr/>
+        <p:txBody>
+          <a:bodyPr/>
+          <a:lstStyle/>
+          <a:p>
+            <a:r>
+              <a:rPr lang="en-US" dirty="0"/>
+              <a:t>Best Practices to Avoid Merge Conflicts</a:t>
+            </a:r>
+            <a:endParaRPr lang="en-IN" dirty="0"/>
+          </a:p>
+        </p:txBody>
+      </p:sp>
+      <p:sp>
+        <p:nvSpPr>
+          <p:cNvPr id="3" name="Content Placeholder 2">
+            <a:extLst>
+              <a:ext uri="{FF2B5EF4-FFF2-40B4-BE49-F238E27FC236}">
+                <a16:creationId xmlns:a16="http://schemas.microsoft.com/office/drawing/2014/main" id="{B8991788-4E25-4F67-D2F9-B20EE2EA3F17}"/>
+              </a:ext>
+            </a:extLst>
+          </p:cNvPr>
+          <p:cNvSpPr>
+            <a:spLocks noGrp="1"/>
+          </p:cNvSpPr>
+          <p:nvPr>
+            <p:ph idx="1"/>
+          </p:nvPr>
+        </p:nvSpPr>
+        <p:spPr/>
+        <p:txBody>
+          <a:bodyPr>
+            <a:normAutofit lnSpcReduction="10000"/>
+          </a:bodyPr>
+          <a:lstStyle/>
+          <a:p>
+            <a:r>
+              <a:rPr lang="en-US" dirty="0"/>
+              <a:t>Always pull (git pull) from the main branch (or target branch) before starting new work or before pushing changes. This keeps your local copy updated.</a:t>
+            </a:r>
+          </a:p>
+          <a:p>
+            <a:r>
+              <a:rPr lang="en-US" dirty="0"/>
+              <a:t>Create small, single-purpose branches for features or fixes. This reduces the surface area of conflicts.</a:t>
+            </a:r>
+          </a:p>
+          <a:p>
+            <a:r>
+              <a:rPr lang="en-IN" dirty="0"/>
+              <a:t>Communicate with Team Members (</a:t>
+            </a:r>
+            <a:r>
+              <a:rPr lang="en-US" dirty="0"/>
+              <a:t>Let others know what you're working on. Avoid working on the same files or functions unless necessary.)</a:t>
+            </a:r>
+          </a:p>
+          <a:p>
+            <a:r>
+              <a:rPr lang="en-US" dirty="0"/>
+              <a:t>Keep Commits Small and Focused</a:t>
+            </a:r>
+          </a:p>
+          <a:p>
+            <a:r>
+              <a:rPr lang="en-IN" dirty="0"/>
+              <a:t>Rebase Before Merging</a:t>
+            </a:r>
+          </a:p>
+        </p:txBody>
+      </p:sp>
+    </p:spTree>
+    <p:extLst>
+      <p:ext uri="{BB962C8B-B14F-4D97-AF65-F5344CB8AC3E}">
+        <p14:creationId xmlns:p14="http://schemas.microsoft.com/office/powerpoint/2010/main" val="2521359045"/>
+      </p:ext>
+    </p:extLst>
+  </p:cSld>
+  <p:clrMapOvr>
+    <a:masterClrMapping/>
+  </p:clrMapOvr>
+</p:sld>
+</file>
+
+<file path=ppt/slides/slide17.xml><?xml version="1.0" encoding="utf-8"?>
 <p:sld xmlns:a="http://schemas.openxmlformats.org/drawingml/2006/main" xmlns:r="http://schemas.openxmlformats.org/officeDocument/2006/relationships" xmlns:p="http://schemas.openxmlformats.org/presentationml/2006/main">
   <p:cSld>
     <p:spTree>
@@ -5041,7 +5315,7 @@
 </p:sld>
 </file>
 
-<file path=ppt/slides/slide16.xml><?xml version="1.0" encoding="utf-8"?>
+<file path=ppt/slides/slide18.xml><?xml version="1.0" encoding="utf-8"?>
 <p:sld xmlns:a="http://schemas.openxmlformats.org/drawingml/2006/main" xmlns:r="http://schemas.openxmlformats.org/officeDocument/2006/relationships" xmlns:p="http://schemas.openxmlformats.org/presentationml/2006/main">
   <p:cSld>
     <p:spTree>
@@ -5131,7 +5405,7 @@
 </p:sld>
 </file>
 
-<file path=ppt/slides/slide17.xml><?xml version="1.0" encoding="utf-8"?>
+<file path=ppt/slides/slide19.xml><?xml version="1.0" encoding="utf-8"?>
 <p:sld xmlns:a="http://schemas.openxmlformats.org/drawingml/2006/main" xmlns:r="http://schemas.openxmlformats.org/officeDocument/2006/relationships" xmlns:p="http://schemas.openxmlformats.org/presentationml/2006/main">
   <p:cSld>
     <p:spTree>
@@ -5297,354 +5571,6 @@
     <p:extLst>
       <p:ext uri="{BB962C8B-B14F-4D97-AF65-F5344CB8AC3E}">
         <p14:creationId xmlns:p14="http://schemas.microsoft.com/office/powerpoint/2010/main" val="954866256"/>
-      </p:ext>
-    </p:extLst>
-  </p:cSld>
-  <p:clrMapOvr>
-    <a:masterClrMapping/>
-  </p:clrMapOvr>
-</p:sld>
-</file>
-
-<file path=ppt/slides/slide18.xml><?xml version="1.0" encoding="utf-8"?>
-<p:sld xmlns:a="http://schemas.openxmlformats.org/drawingml/2006/main" xmlns:r="http://schemas.openxmlformats.org/officeDocument/2006/relationships" xmlns:p="http://schemas.openxmlformats.org/presentationml/2006/main">
-  <p:cSld>
-    <p:spTree>
-      <p:nvGrpSpPr>
-        <p:cNvPr id="1" name=""/>
-        <p:cNvGrpSpPr/>
-        <p:nvPr/>
-      </p:nvGrpSpPr>
-      <p:grpSpPr>
-        <a:xfrm>
-          <a:off x="0" y="0"/>
-          <a:ext cx="0" cy="0"/>
-          <a:chOff x="0" y="0"/>
-          <a:chExt cx="0" cy="0"/>
-        </a:xfrm>
-      </p:grpSpPr>
-      <p:sp>
-        <p:nvSpPr>
-          <p:cNvPr id="2" name="Title 1">
-            <a:extLst>
-              <a:ext uri="{FF2B5EF4-FFF2-40B4-BE49-F238E27FC236}">
-                <a16:creationId xmlns:a16="http://schemas.microsoft.com/office/drawing/2014/main" id="{BFE7142A-DF4F-1357-E847-F8E45553DD28}"/>
-              </a:ext>
-            </a:extLst>
-          </p:cNvPr>
-          <p:cNvSpPr>
-            <a:spLocks noGrp="1"/>
-          </p:cNvSpPr>
-          <p:nvPr>
-            <p:ph type="title"/>
-          </p:nvPr>
-        </p:nvSpPr>
-        <p:spPr/>
-        <p:txBody>
-          <a:bodyPr/>
-          <a:lstStyle/>
-          <a:p>
-            <a:r>
-              <a:rPr lang="en-US" dirty="0"/>
-              <a:t>Git tags</a:t>
-            </a:r>
-            <a:endParaRPr lang="en-IN" dirty="0"/>
-          </a:p>
-        </p:txBody>
-      </p:sp>
-      <p:sp>
-        <p:nvSpPr>
-          <p:cNvPr id="3" name="Content Placeholder 2">
-            <a:extLst>
-              <a:ext uri="{FF2B5EF4-FFF2-40B4-BE49-F238E27FC236}">
-                <a16:creationId xmlns:a16="http://schemas.microsoft.com/office/drawing/2014/main" id="{460FFC93-07C5-15DB-7450-113AD7E0886B}"/>
-              </a:ext>
-            </a:extLst>
-          </p:cNvPr>
-          <p:cNvSpPr>
-            <a:spLocks noGrp="1"/>
-          </p:cNvSpPr>
-          <p:nvPr>
-            <p:ph idx="1"/>
-          </p:nvPr>
-        </p:nvSpPr>
-        <p:spPr/>
-        <p:txBody>
-          <a:bodyPr/>
-          <a:lstStyle/>
-          <a:p>
-            <a:r>
-              <a:rPr lang="en-IN" b="0" i="0" dirty="0">
-                <a:solidFill>
-                  <a:srgbClr val="000000"/>
-                </a:solidFill>
-                <a:effectLst/>
-                <a:latin typeface="Courier New" panose="02070309020205020404" pitchFamily="49" charset="0"/>
-              </a:rPr>
-              <a:t>git tag -a &lt;</a:t>
-            </a:r>
-            <a:r>
-              <a:rPr lang="en-IN" b="0" i="0" dirty="0" err="1">
-                <a:solidFill>
-                  <a:srgbClr val="000000"/>
-                </a:solidFill>
-                <a:effectLst/>
-                <a:latin typeface="Courier New" panose="02070309020205020404" pitchFamily="49" charset="0"/>
-              </a:rPr>
-              <a:t>tagname</a:t>
-            </a:r>
-            <a:r>
-              <a:rPr lang="en-IN" b="0" i="0" dirty="0">
-                <a:solidFill>
-                  <a:srgbClr val="000000"/>
-                </a:solidFill>
-                <a:effectLst/>
-                <a:latin typeface="Courier New" panose="02070309020205020404" pitchFamily="49" charset="0"/>
-              </a:rPr>
-              <a:t>&gt; &lt;</a:t>
-            </a:r>
-            <a:r>
-              <a:rPr lang="en-IN" b="0" i="0" dirty="0" err="1">
-                <a:solidFill>
-                  <a:srgbClr val="000000"/>
-                </a:solidFill>
-                <a:effectLst/>
-                <a:latin typeface="Courier New" panose="02070309020205020404" pitchFamily="49" charset="0"/>
-              </a:rPr>
-              <a:t>commit_id</a:t>
-            </a:r>
-            <a:r>
-              <a:rPr lang="en-IN" b="0" i="0" dirty="0">
-                <a:solidFill>
-                  <a:srgbClr val="000000"/>
-                </a:solidFill>
-                <a:effectLst/>
-                <a:latin typeface="Courier New" panose="02070309020205020404" pitchFamily="49" charset="0"/>
-              </a:rPr>
-              <a:t>&gt; -m &lt;</a:t>
-            </a:r>
-            <a:r>
-              <a:rPr lang="en-IN" b="0" i="0" dirty="0">
-                <a:solidFill>
-                  <a:srgbClr val="9334E6"/>
-                </a:solidFill>
-                <a:effectLst/>
-                <a:latin typeface="Courier New" panose="02070309020205020404" pitchFamily="49" charset="0"/>
-              </a:rPr>
-              <a:t>message</a:t>
-            </a:r>
-            <a:r>
-              <a:rPr lang="en-IN" b="0" i="0" dirty="0">
-                <a:solidFill>
-                  <a:srgbClr val="000000"/>
-                </a:solidFill>
-                <a:effectLst/>
-                <a:latin typeface="Courier New" panose="02070309020205020404" pitchFamily="49" charset="0"/>
-              </a:rPr>
-              <a:t>&gt;</a:t>
-            </a:r>
-          </a:p>
-          <a:p>
-            <a:r>
-              <a:rPr lang="en-IN" b="0" i="0" dirty="0">
-                <a:solidFill>
-                  <a:srgbClr val="000000"/>
-                </a:solidFill>
-                <a:effectLst/>
-                <a:latin typeface="Courier New" panose="02070309020205020404" pitchFamily="49" charset="0"/>
-              </a:rPr>
-              <a:t>git tag -a &lt;</a:t>
-            </a:r>
-            <a:r>
-              <a:rPr lang="en-IN" b="0" i="0" dirty="0" err="1">
-                <a:solidFill>
-                  <a:srgbClr val="000000"/>
-                </a:solidFill>
-                <a:effectLst/>
-                <a:latin typeface="Courier New" panose="02070309020205020404" pitchFamily="49" charset="0"/>
-              </a:rPr>
-              <a:t>tagname</a:t>
-            </a:r>
-            <a:r>
-              <a:rPr lang="en-IN" b="0" i="0" dirty="0">
-                <a:solidFill>
-                  <a:srgbClr val="000000"/>
-                </a:solidFill>
-                <a:effectLst/>
-                <a:latin typeface="Courier New" panose="02070309020205020404" pitchFamily="49" charset="0"/>
-              </a:rPr>
-              <a:t>&gt; -m &lt;</a:t>
-            </a:r>
-            <a:r>
-              <a:rPr lang="en-IN" b="0" i="0" dirty="0">
-                <a:solidFill>
-                  <a:srgbClr val="9334E6"/>
-                </a:solidFill>
-                <a:effectLst/>
-                <a:latin typeface="Courier New" panose="02070309020205020404" pitchFamily="49" charset="0"/>
-              </a:rPr>
-              <a:t>message</a:t>
-            </a:r>
-            <a:r>
-              <a:rPr lang="en-IN" b="0" i="0" dirty="0">
-                <a:solidFill>
-                  <a:srgbClr val="000000"/>
-                </a:solidFill>
-                <a:effectLst/>
-                <a:latin typeface="Courier New" panose="02070309020205020404" pitchFamily="49" charset="0"/>
-              </a:rPr>
-              <a:t>&gt;</a:t>
-            </a:r>
-          </a:p>
-          <a:p>
-            <a:r>
-              <a:rPr lang="en-IN" dirty="0">
-                <a:solidFill>
-                  <a:srgbClr val="000000"/>
-                </a:solidFill>
-                <a:latin typeface="Courier New" panose="02070309020205020404" pitchFamily="49" charset="0"/>
-              </a:rPr>
-              <a:t>Git tag: View tags</a:t>
-            </a:r>
-          </a:p>
-          <a:p>
-            <a:r>
-              <a:rPr lang="en-IN" dirty="0">
-                <a:solidFill>
-                  <a:srgbClr val="000000"/>
-                </a:solidFill>
-                <a:latin typeface="Courier New" panose="02070309020205020404" pitchFamily="49" charset="0"/>
-              </a:rPr>
-              <a:t>Git push &lt;remote repo&gt; &lt;</a:t>
-            </a:r>
-            <a:r>
-              <a:rPr lang="en-IN" dirty="0" err="1">
-                <a:solidFill>
-                  <a:srgbClr val="000000"/>
-                </a:solidFill>
-                <a:latin typeface="Courier New" panose="02070309020205020404" pitchFamily="49" charset="0"/>
-              </a:rPr>
-              <a:t>tag_name</a:t>
-            </a:r>
-            <a:r>
-              <a:rPr lang="en-IN" dirty="0">
-                <a:solidFill>
-                  <a:srgbClr val="000000"/>
-                </a:solidFill>
-                <a:latin typeface="Courier New" panose="02070309020205020404" pitchFamily="49" charset="0"/>
-              </a:rPr>
-              <a:t>&gt;: Push tags to remote repo</a:t>
-            </a:r>
-            <a:endParaRPr lang="en-IN" dirty="0"/>
-          </a:p>
-        </p:txBody>
-      </p:sp>
-    </p:spTree>
-    <p:extLst>
-      <p:ext uri="{BB962C8B-B14F-4D97-AF65-F5344CB8AC3E}">
-        <p14:creationId xmlns:p14="http://schemas.microsoft.com/office/powerpoint/2010/main" val="303958295"/>
-      </p:ext>
-    </p:extLst>
-  </p:cSld>
-  <p:clrMapOvr>
-    <a:masterClrMapping/>
-  </p:clrMapOvr>
-</p:sld>
-</file>
-
-<file path=ppt/slides/slide19.xml><?xml version="1.0" encoding="utf-8"?>
-<p:sld xmlns:a="http://schemas.openxmlformats.org/drawingml/2006/main" xmlns:r="http://schemas.openxmlformats.org/officeDocument/2006/relationships" xmlns:p="http://schemas.openxmlformats.org/presentationml/2006/main">
-  <p:cSld>
-    <p:spTree>
-      <p:nvGrpSpPr>
-        <p:cNvPr id="1" name=""/>
-        <p:cNvGrpSpPr/>
-        <p:nvPr/>
-      </p:nvGrpSpPr>
-      <p:grpSpPr>
-        <a:xfrm>
-          <a:off x="0" y="0"/>
-          <a:ext cx="0" cy="0"/>
-          <a:chOff x="0" y="0"/>
-          <a:chExt cx="0" cy="0"/>
-        </a:xfrm>
-      </p:grpSpPr>
-      <p:sp>
-        <p:nvSpPr>
-          <p:cNvPr id="2" name="Title 1">
-            <a:extLst>
-              <a:ext uri="{FF2B5EF4-FFF2-40B4-BE49-F238E27FC236}">
-                <a16:creationId xmlns:a16="http://schemas.microsoft.com/office/drawing/2014/main" id="{A6D9A001-1859-926A-8097-6E11C89CF839}"/>
-              </a:ext>
-            </a:extLst>
-          </p:cNvPr>
-          <p:cNvSpPr>
-            <a:spLocks noGrp="1"/>
-          </p:cNvSpPr>
-          <p:nvPr>
-            <p:ph type="title"/>
-          </p:nvPr>
-        </p:nvSpPr>
-        <p:spPr/>
-        <p:txBody>
-          <a:bodyPr/>
-          <a:lstStyle/>
-          <a:p>
-            <a:r>
-              <a:rPr lang="en-US" dirty="0"/>
-              <a:t>Uncommit, Unstaged, Untracked</a:t>
-            </a:r>
-            <a:endParaRPr lang="en-IN" dirty="0"/>
-          </a:p>
-        </p:txBody>
-      </p:sp>
-      <p:sp>
-        <p:nvSpPr>
-          <p:cNvPr id="3" name="Content Placeholder 2">
-            <a:extLst>
-              <a:ext uri="{FF2B5EF4-FFF2-40B4-BE49-F238E27FC236}">
-                <a16:creationId xmlns:a16="http://schemas.microsoft.com/office/drawing/2014/main" id="{99A4583F-9443-5E59-D5E9-73BA2330877D}"/>
-              </a:ext>
-            </a:extLst>
-          </p:cNvPr>
-          <p:cNvSpPr>
-            <a:spLocks noGrp="1"/>
-          </p:cNvSpPr>
-          <p:nvPr>
-            <p:ph idx="1"/>
-          </p:nvPr>
-        </p:nvSpPr>
-        <p:spPr/>
-        <p:txBody>
-          <a:bodyPr/>
-          <a:lstStyle/>
-          <a:p>
-            <a:r>
-              <a:rPr lang="en-IN" dirty="0"/>
-              <a:t>git reset --soft HEAD~1</a:t>
-            </a:r>
-          </a:p>
-          <a:p>
-            <a:r>
-              <a:rPr lang="en-IN" dirty="0"/>
-              <a:t>git reset HEAD &lt;file-name&gt;</a:t>
-            </a:r>
-          </a:p>
-          <a:p>
-            <a:r>
-              <a:rPr lang="en-IN" dirty="0"/>
-              <a:t>git rm --cached &lt;file-name&gt;</a:t>
-            </a:r>
-          </a:p>
-          <a:p>
-            <a:endParaRPr lang="en-IN" dirty="0"/>
-          </a:p>
-        </p:txBody>
-      </p:sp>
-    </p:spTree>
-    <p:extLst>
-      <p:ext uri="{BB962C8B-B14F-4D97-AF65-F5344CB8AC3E}">
-        <p14:creationId xmlns:p14="http://schemas.microsoft.com/office/powerpoint/2010/main" val="620197942"/>
       </p:ext>
     </p:extLst>
   </p:cSld>
@@ -5774,6 +5700,1153 @@
 </file>
 
 <file path=ppt/slides/slide20.xml><?xml version="1.0" encoding="utf-8"?>
+<p:sld xmlns:a="http://schemas.openxmlformats.org/drawingml/2006/main" xmlns:r="http://schemas.openxmlformats.org/officeDocument/2006/relationships" xmlns:p="http://schemas.openxmlformats.org/presentationml/2006/main">
+  <p:cSld>
+    <p:spTree>
+      <p:nvGrpSpPr>
+        <p:cNvPr id="1" name=""/>
+        <p:cNvGrpSpPr/>
+        <p:nvPr/>
+      </p:nvGrpSpPr>
+      <p:grpSpPr>
+        <a:xfrm>
+          <a:off x="0" y="0"/>
+          <a:ext cx="0" cy="0"/>
+          <a:chOff x="0" y="0"/>
+          <a:chExt cx="0" cy="0"/>
+        </a:xfrm>
+      </p:grpSpPr>
+      <p:sp>
+        <p:nvSpPr>
+          <p:cNvPr id="2" name="Title 1">
+            <a:extLst>
+              <a:ext uri="{FF2B5EF4-FFF2-40B4-BE49-F238E27FC236}">
+                <a16:creationId xmlns:a16="http://schemas.microsoft.com/office/drawing/2014/main" id="{BFE7142A-DF4F-1357-E847-F8E45553DD28}"/>
+              </a:ext>
+            </a:extLst>
+          </p:cNvPr>
+          <p:cNvSpPr>
+            <a:spLocks noGrp="1"/>
+          </p:cNvSpPr>
+          <p:nvPr>
+            <p:ph type="title"/>
+          </p:nvPr>
+        </p:nvSpPr>
+        <p:spPr/>
+        <p:txBody>
+          <a:bodyPr/>
+          <a:lstStyle/>
+          <a:p>
+            <a:r>
+              <a:rPr lang="en-US" dirty="0"/>
+              <a:t>Git tags</a:t>
+            </a:r>
+            <a:endParaRPr lang="en-IN" dirty="0"/>
+          </a:p>
+        </p:txBody>
+      </p:sp>
+      <p:sp>
+        <p:nvSpPr>
+          <p:cNvPr id="3" name="Content Placeholder 2">
+            <a:extLst>
+              <a:ext uri="{FF2B5EF4-FFF2-40B4-BE49-F238E27FC236}">
+                <a16:creationId xmlns:a16="http://schemas.microsoft.com/office/drawing/2014/main" id="{460FFC93-07C5-15DB-7450-113AD7E0886B}"/>
+              </a:ext>
+            </a:extLst>
+          </p:cNvPr>
+          <p:cNvSpPr>
+            <a:spLocks noGrp="1"/>
+          </p:cNvSpPr>
+          <p:nvPr>
+            <p:ph idx="1"/>
+          </p:nvPr>
+        </p:nvSpPr>
+        <p:spPr/>
+        <p:txBody>
+          <a:bodyPr/>
+          <a:lstStyle/>
+          <a:p>
+            <a:r>
+              <a:rPr lang="en-IN" b="0" i="0" dirty="0">
+                <a:solidFill>
+                  <a:srgbClr val="000000"/>
+                </a:solidFill>
+                <a:effectLst/>
+                <a:latin typeface="Courier New" panose="02070309020205020404" pitchFamily="49" charset="0"/>
+              </a:rPr>
+              <a:t>git tag -a &lt;</a:t>
+            </a:r>
+            <a:r>
+              <a:rPr lang="en-IN" b="0" i="0" dirty="0" err="1">
+                <a:solidFill>
+                  <a:srgbClr val="000000"/>
+                </a:solidFill>
+                <a:effectLst/>
+                <a:latin typeface="Courier New" panose="02070309020205020404" pitchFamily="49" charset="0"/>
+              </a:rPr>
+              <a:t>tagname</a:t>
+            </a:r>
+            <a:r>
+              <a:rPr lang="en-IN" b="0" i="0" dirty="0">
+                <a:solidFill>
+                  <a:srgbClr val="000000"/>
+                </a:solidFill>
+                <a:effectLst/>
+                <a:latin typeface="Courier New" panose="02070309020205020404" pitchFamily="49" charset="0"/>
+              </a:rPr>
+              <a:t>&gt; &lt;</a:t>
+            </a:r>
+            <a:r>
+              <a:rPr lang="en-IN" b="0" i="0" dirty="0" err="1">
+                <a:solidFill>
+                  <a:srgbClr val="000000"/>
+                </a:solidFill>
+                <a:effectLst/>
+                <a:latin typeface="Courier New" panose="02070309020205020404" pitchFamily="49" charset="0"/>
+              </a:rPr>
+              <a:t>commit_id</a:t>
+            </a:r>
+            <a:r>
+              <a:rPr lang="en-IN" b="0" i="0" dirty="0">
+                <a:solidFill>
+                  <a:srgbClr val="000000"/>
+                </a:solidFill>
+                <a:effectLst/>
+                <a:latin typeface="Courier New" panose="02070309020205020404" pitchFamily="49" charset="0"/>
+              </a:rPr>
+              <a:t>&gt; -m &lt;</a:t>
+            </a:r>
+            <a:r>
+              <a:rPr lang="en-IN" b="0" i="0" dirty="0">
+                <a:solidFill>
+                  <a:srgbClr val="9334E6"/>
+                </a:solidFill>
+                <a:effectLst/>
+                <a:latin typeface="Courier New" panose="02070309020205020404" pitchFamily="49" charset="0"/>
+              </a:rPr>
+              <a:t>message</a:t>
+            </a:r>
+            <a:r>
+              <a:rPr lang="en-IN" b="0" i="0" dirty="0">
+                <a:solidFill>
+                  <a:srgbClr val="000000"/>
+                </a:solidFill>
+                <a:effectLst/>
+                <a:latin typeface="Courier New" panose="02070309020205020404" pitchFamily="49" charset="0"/>
+              </a:rPr>
+              <a:t>&gt;</a:t>
+            </a:r>
+          </a:p>
+          <a:p>
+            <a:r>
+              <a:rPr lang="en-IN" b="0" i="0" dirty="0">
+                <a:solidFill>
+                  <a:srgbClr val="000000"/>
+                </a:solidFill>
+                <a:effectLst/>
+                <a:latin typeface="Courier New" panose="02070309020205020404" pitchFamily="49" charset="0"/>
+              </a:rPr>
+              <a:t>git tag -a &lt;</a:t>
+            </a:r>
+            <a:r>
+              <a:rPr lang="en-IN" b="0" i="0" dirty="0" err="1">
+                <a:solidFill>
+                  <a:srgbClr val="000000"/>
+                </a:solidFill>
+                <a:effectLst/>
+                <a:latin typeface="Courier New" panose="02070309020205020404" pitchFamily="49" charset="0"/>
+              </a:rPr>
+              <a:t>tagname</a:t>
+            </a:r>
+            <a:r>
+              <a:rPr lang="en-IN" b="0" i="0" dirty="0">
+                <a:solidFill>
+                  <a:srgbClr val="000000"/>
+                </a:solidFill>
+                <a:effectLst/>
+                <a:latin typeface="Courier New" panose="02070309020205020404" pitchFamily="49" charset="0"/>
+              </a:rPr>
+              <a:t>&gt; -m &lt;</a:t>
+            </a:r>
+            <a:r>
+              <a:rPr lang="en-IN" b="0" i="0" dirty="0">
+                <a:solidFill>
+                  <a:srgbClr val="9334E6"/>
+                </a:solidFill>
+                <a:effectLst/>
+                <a:latin typeface="Courier New" panose="02070309020205020404" pitchFamily="49" charset="0"/>
+              </a:rPr>
+              <a:t>message</a:t>
+            </a:r>
+            <a:r>
+              <a:rPr lang="en-IN" b="0" i="0" dirty="0">
+                <a:solidFill>
+                  <a:srgbClr val="000000"/>
+                </a:solidFill>
+                <a:effectLst/>
+                <a:latin typeface="Courier New" panose="02070309020205020404" pitchFamily="49" charset="0"/>
+              </a:rPr>
+              <a:t>&gt;</a:t>
+            </a:r>
+          </a:p>
+          <a:p>
+            <a:r>
+              <a:rPr lang="en-IN" dirty="0">
+                <a:solidFill>
+                  <a:srgbClr val="000000"/>
+                </a:solidFill>
+                <a:latin typeface="Courier New" panose="02070309020205020404" pitchFamily="49" charset="0"/>
+              </a:rPr>
+              <a:t>Git tag: View tags</a:t>
+            </a:r>
+          </a:p>
+          <a:p>
+            <a:r>
+              <a:rPr lang="en-IN" dirty="0">
+                <a:solidFill>
+                  <a:srgbClr val="000000"/>
+                </a:solidFill>
+                <a:latin typeface="Courier New" panose="02070309020205020404" pitchFamily="49" charset="0"/>
+              </a:rPr>
+              <a:t>Git push &lt;remote repo&gt; &lt;</a:t>
+            </a:r>
+            <a:r>
+              <a:rPr lang="en-IN" dirty="0" err="1">
+                <a:solidFill>
+                  <a:srgbClr val="000000"/>
+                </a:solidFill>
+                <a:latin typeface="Courier New" panose="02070309020205020404" pitchFamily="49" charset="0"/>
+              </a:rPr>
+              <a:t>tag_name</a:t>
+            </a:r>
+            <a:r>
+              <a:rPr lang="en-IN" dirty="0">
+                <a:solidFill>
+                  <a:srgbClr val="000000"/>
+                </a:solidFill>
+                <a:latin typeface="Courier New" panose="02070309020205020404" pitchFamily="49" charset="0"/>
+              </a:rPr>
+              <a:t>&gt;: Push tags to remote repo</a:t>
+            </a:r>
+            <a:endParaRPr lang="en-IN" dirty="0"/>
+          </a:p>
+        </p:txBody>
+      </p:sp>
+    </p:spTree>
+    <p:extLst>
+      <p:ext uri="{BB962C8B-B14F-4D97-AF65-F5344CB8AC3E}">
+        <p14:creationId xmlns:p14="http://schemas.microsoft.com/office/powerpoint/2010/main" val="303958295"/>
+      </p:ext>
+    </p:extLst>
+  </p:cSld>
+  <p:clrMapOvr>
+    <a:masterClrMapping/>
+  </p:clrMapOvr>
+</p:sld>
+</file>
+
+<file path=ppt/slides/slide21.xml><?xml version="1.0" encoding="utf-8"?>
+<p:sld xmlns:a="http://schemas.openxmlformats.org/drawingml/2006/main" xmlns:r="http://schemas.openxmlformats.org/officeDocument/2006/relationships" xmlns:p="http://schemas.openxmlformats.org/presentationml/2006/main">
+  <p:cSld>
+    <p:spTree>
+      <p:nvGrpSpPr>
+        <p:cNvPr id="1" name=""/>
+        <p:cNvGrpSpPr/>
+        <p:nvPr/>
+      </p:nvGrpSpPr>
+      <p:grpSpPr>
+        <a:xfrm>
+          <a:off x="0" y="0"/>
+          <a:ext cx="0" cy="0"/>
+          <a:chOff x="0" y="0"/>
+          <a:chExt cx="0" cy="0"/>
+        </a:xfrm>
+      </p:grpSpPr>
+      <p:sp>
+        <p:nvSpPr>
+          <p:cNvPr id="2" name="Title 1">
+            <a:extLst>
+              <a:ext uri="{FF2B5EF4-FFF2-40B4-BE49-F238E27FC236}">
+                <a16:creationId xmlns:a16="http://schemas.microsoft.com/office/drawing/2014/main" id="{D8DDF70A-C023-E76C-E11B-584034F39625}"/>
+              </a:ext>
+            </a:extLst>
+          </p:cNvPr>
+          <p:cNvSpPr>
+            <a:spLocks noGrp="1"/>
+          </p:cNvSpPr>
+          <p:nvPr>
+            <p:ph type="title"/>
+          </p:nvPr>
+        </p:nvSpPr>
+        <p:spPr/>
+        <p:txBody>
+          <a:bodyPr/>
+          <a:lstStyle/>
+          <a:p>
+            <a:r>
+              <a:rPr lang="en-IN" dirty="0"/>
+              <a:t>Types of tags</a:t>
+            </a:r>
+          </a:p>
+        </p:txBody>
+      </p:sp>
+      <p:sp>
+        <p:nvSpPr>
+          <p:cNvPr id="3" name="Content Placeholder 2">
+            <a:extLst>
+              <a:ext uri="{FF2B5EF4-FFF2-40B4-BE49-F238E27FC236}">
+                <a16:creationId xmlns:a16="http://schemas.microsoft.com/office/drawing/2014/main" id="{88B3D9F8-AB66-D744-FDED-469321719377}"/>
+              </a:ext>
+            </a:extLst>
+          </p:cNvPr>
+          <p:cNvSpPr>
+            <a:spLocks noGrp="1"/>
+          </p:cNvSpPr>
+          <p:nvPr>
+            <p:ph idx="1"/>
+          </p:nvPr>
+        </p:nvSpPr>
+        <p:spPr/>
+        <p:txBody>
+          <a:bodyPr/>
+          <a:lstStyle/>
+          <a:p>
+            <a:r>
+              <a:rPr lang="en-US" dirty="0"/>
+              <a:t>Lightweight tags – just a name (like a branch that doesn’t move).</a:t>
+            </a:r>
+          </a:p>
+          <a:p>
+            <a:r>
+              <a:rPr lang="en-IN" dirty="0"/>
+              <a:t>Annotated tags – store extra metadata</a:t>
+            </a:r>
+          </a:p>
+        </p:txBody>
+      </p:sp>
+    </p:spTree>
+    <p:extLst>
+      <p:ext uri="{BB962C8B-B14F-4D97-AF65-F5344CB8AC3E}">
+        <p14:creationId xmlns:p14="http://schemas.microsoft.com/office/powerpoint/2010/main" val="3748728972"/>
+      </p:ext>
+    </p:extLst>
+  </p:cSld>
+  <p:clrMapOvr>
+    <a:masterClrMapping/>
+  </p:clrMapOvr>
+</p:sld>
+</file>
+
+<file path=ppt/slides/slide22.xml><?xml version="1.0" encoding="utf-8"?>
+<p:sld xmlns:a="http://schemas.openxmlformats.org/drawingml/2006/main" xmlns:r="http://schemas.openxmlformats.org/officeDocument/2006/relationships" xmlns:p="http://schemas.openxmlformats.org/presentationml/2006/main">
+  <p:cSld>
+    <p:spTree>
+      <p:nvGrpSpPr>
+        <p:cNvPr id="1" name=""/>
+        <p:cNvGrpSpPr/>
+        <p:nvPr/>
+      </p:nvGrpSpPr>
+      <p:grpSpPr>
+        <a:xfrm>
+          <a:off x="0" y="0"/>
+          <a:ext cx="0" cy="0"/>
+          <a:chOff x="0" y="0"/>
+          <a:chExt cx="0" cy="0"/>
+        </a:xfrm>
+      </p:grpSpPr>
+      <p:sp>
+        <p:nvSpPr>
+          <p:cNvPr id="2" name="Title 1">
+            <a:extLst>
+              <a:ext uri="{FF2B5EF4-FFF2-40B4-BE49-F238E27FC236}">
+                <a16:creationId xmlns:a16="http://schemas.microsoft.com/office/drawing/2014/main" id="{40704B7C-2A92-5F04-85D6-8FD9A54DF26F}"/>
+              </a:ext>
+            </a:extLst>
+          </p:cNvPr>
+          <p:cNvSpPr>
+            <a:spLocks noGrp="1"/>
+          </p:cNvSpPr>
+          <p:nvPr>
+            <p:ph type="title"/>
+          </p:nvPr>
+        </p:nvSpPr>
+        <p:spPr/>
+        <p:txBody>
+          <a:bodyPr/>
+          <a:lstStyle/>
+          <a:p>
+            <a:r>
+              <a:rPr lang="en-IN" dirty="0"/>
+              <a:t>Lightweight tag</a:t>
+            </a:r>
+          </a:p>
+        </p:txBody>
+      </p:sp>
+      <p:sp>
+        <p:nvSpPr>
+          <p:cNvPr id="3" name="Content Placeholder 2">
+            <a:extLst>
+              <a:ext uri="{FF2B5EF4-FFF2-40B4-BE49-F238E27FC236}">
+                <a16:creationId xmlns:a16="http://schemas.microsoft.com/office/drawing/2014/main" id="{9F5A6F6C-68B8-44DB-52BF-0AF37B50EA60}"/>
+              </a:ext>
+            </a:extLst>
+          </p:cNvPr>
+          <p:cNvSpPr>
+            <a:spLocks noGrp="1"/>
+          </p:cNvSpPr>
+          <p:nvPr>
+            <p:ph idx="1"/>
+          </p:nvPr>
+        </p:nvSpPr>
+        <p:spPr/>
+        <p:txBody>
+          <a:bodyPr/>
+          <a:lstStyle/>
+          <a:p>
+            <a:pPr marL="0" indent="0">
+              <a:buNone/>
+            </a:pPr>
+            <a:r>
+              <a:rPr lang="en-US" dirty="0"/>
+              <a:t>This simply creates a pointer to the current commit, nothing else.</a:t>
+            </a:r>
+            <a:endParaRPr lang="en-IN" dirty="0"/>
+          </a:p>
+          <a:p>
+            <a:r>
+              <a:rPr lang="en-IN" dirty="0"/>
+              <a:t>git tag v1.0</a:t>
+            </a:r>
+          </a:p>
+          <a:p>
+            <a:r>
+              <a:rPr lang="en-IN" dirty="0"/>
+              <a:t>git show v1.0</a:t>
+            </a:r>
+          </a:p>
+        </p:txBody>
+      </p:sp>
+    </p:spTree>
+    <p:extLst>
+      <p:ext uri="{BB962C8B-B14F-4D97-AF65-F5344CB8AC3E}">
+        <p14:creationId xmlns:p14="http://schemas.microsoft.com/office/powerpoint/2010/main" val="406896580"/>
+      </p:ext>
+    </p:extLst>
+  </p:cSld>
+  <p:clrMapOvr>
+    <a:masterClrMapping/>
+  </p:clrMapOvr>
+</p:sld>
+</file>
+
+<file path=ppt/slides/slide23.xml><?xml version="1.0" encoding="utf-8"?>
+<p:sld xmlns:a="http://schemas.openxmlformats.org/drawingml/2006/main" xmlns:r="http://schemas.openxmlformats.org/officeDocument/2006/relationships" xmlns:p="http://schemas.openxmlformats.org/presentationml/2006/main">
+  <p:cSld>
+    <p:spTree>
+      <p:nvGrpSpPr>
+        <p:cNvPr id="1" name=""/>
+        <p:cNvGrpSpPr/>
+        <p:nvPr/>
+      </p:nvGrpSpPr>
+      <p:grpSpPr>
+        <a:xfrm>
+          <a:off x="0" y="0"/>
+          <a:ext cx="0" cy="0"/>
+          <a:chOff x="0" y="0"/>
+          <a:chExt cx="0" cy="0"/>
+        </a:xfrm>
+      </p:grpSpPr>
+      <p:sp>
+        <p:nvSpPr>
+          <p:cNvPr id="2" name="Title 1">
+            <a:extLst>
+              <a:ext uri="{FF2B5EF4-FFF2-40B4-BE49-F238E27FC236}">
+                <a16:creationId xmlns:a16="http://schemas.microsoft.com/office/drawing/2014/main" id="{70CA43AA-CCFC-A58D-E728-1C81E6123997}"/>
+              </a:ext>
+            </a:extLst>
+          </p:cNvPr>
+          <p:cNvSpPr>
+            <a:spLocks noGrp="1"/>
+          </p:cNvSpPr>
+          <p:nvPr>
+            <p:ph type="title"/>
+          </p:nvPr>
+        </p:nvSpPr>
+        <p:spPr/>
+        <p:txBody>
+          <a:bodyPr/>
+          <a:lstStyle/>
+          <a:p>
+            <a:r>
+              <a:rPr lang="en-IN" dirty="0"/>
+              <a:t>Annotated Tags</a:t>
+            </a:r>
+          </a:p>
+        </p:txBody>
+      </p:sp>
+      <p:sp>
+        <p:nvSpPr>
+          <p:cNvPr id="3" name="Content Placeholder 2">
+            <a:extLst>
+              <a:ext uri="{FF2B5EF4-FFF2-40B4-BE49-F238E27FC236}">
+                <a16:creationId xmlns:a16="http://schemas.microsoft.com/office/drawing/2014/main" id="{083F8398-D0FB-B15F-F709-FAC755A74858}"/>
+              </a:ext>
+            </a:extLst>
+          </p:cNvPr>
+          <p:cNvSpPr>
+            <a:spLocks noGrp="1"/>
+          </p:cNvSpPr>
+          <p:nvPr>
+            <p:ph idx="1"/>
+          </p:nvPr>
+        </p:nvSpPr>
+        <p:spPr/>
+        <p:txBody>
+          <a:bodyPr/>
+          <a:lstStyle/>
+          <a:p>
+            <a:pPr marL="0" indent="0">
+              <a:buNone/>
+            </a:pPr>
+            <a:r>
+              <a:rPr lang="en-US" dirty="0"/>
+              <a:t>An </a:t>
+            </a:r>
+            <a:r>
+              <a:rPr lang="en-US" b="1" dirty="0"/>
+              <a:t>annotated tag</a:t>
+            </a:r>
+            <a:r>
+              <a:rPr lang="en-US" dirty="0"/>
+              <a:t> is stored as a full Git object. Unlike lightweight tags, it contains additional information such as:</a:t>
+            </a:r>
+          </a:p>
+          <a:p>
+            <a:pPr lvl="1"/>
+            <a:r>
+              <a:rPr lang="en-US" dirty="0"/>
+              <a:t>Tagger’s name</a:t>
+            </a:r>
+          </a:p>
+          <a:p>
+            <a:pPr lvl="1"/>
+            <a:r>
+              <a:rPr lang="en-US" dirty="0"/>
+              <a:t>Email</a:t>
+            </a:r>
+          </a:p>
+          <a:p>
+            <a:pPr lvl="1"/>
+            <a:r>
+              <a:rPr lang="en-US" dirty="0"/>
+              <a:t>Date</a:t>
+            </a:r>
+          </a:p>
+          <a:p>
+            <a:pPr lvl="1"/>
+            <a:r>
+              <a:rPr lang="en-US" dirty="0"/>
+              <a:t>Message (like a commit message)</a:t>
+            </a:r>
+          </a:p>
+          <a:p>
+            <a:pPr lvl="1"/>
+            <a:r>
+              <a:rPr lang="en-US" dirty="0"/>
+              <a:t>Optionally, a GPG signature (for verification)</a:t>
+            </a:r>
+          </a:p>
+          <a:p>
+            <a:pPr marL="0" indent="0">
+              <a:buNone/>
+            </a:pPr>
+            <a:r>
+              <a:rPr lang="en-US" dirty="0"/>
+              <a:t>This makes them more powerful and preferred for marking official releases.</a:t>
+            </a:r>
+          </a:p>
+          <a:p>
+            <a:pPr marL="0" indent="0">
+              <a:buNone/>
+            </a:pPr>
+            <a:endParaRPr lang="en-IN" dirty="0"/>
+          </a:p>
+        </p:txBody>
+      </p:sp>
+    </p:spTree>
+    <p:extLst>
+      <p:ext uri="{BB962C8B-B14F-4D97-AF65-F5344CB8AC3E}">
+        <p14:creationId xmlns:p14="http://schemas.microsoft.com/office/powerpoint/2010/main" val="999365983"/>
+      </p:ext>
+    </p:extLst>
+  </p:cSld>
+  <p:clrMapOvr>
+    <a:masterClrMapping/>
+  </p:clrMapOvr>
+</p:sld>
+</file>
+
+<file path=ppt/slides/slide24.xml><?xml version="1.0" encoding="utf-8"?>
+<p:sld xmlns:a="http://schemas.openxmlformats.org/drawingml/2006/main" xmlns:r="http://schemas.openxmlformats.org/officeDocument/2006/relationships" xmlns:p="http://schemas.openxmlformats.org/presentationml/2006/main">
+  <p:cSld>
+    <p:spTree>
+      <p:nvGrpSpPr>
+        <p:cNvPr id="1" name=""/>
+        <p:cNvGrpSpPr/>
+        <p:nvPr/>
+      </p:nvGrpSpPr>
+      <p:grpSpPr>
+        <a:xfrm>
+          <a:off x="0" y="0"/>
+          <a:ext cx="0" cy="0"/>
+          <a:chOff x="0" y="0"/>
+          <a:chExt cx="0" cy="0"/>
+        </a:xfrm>
+      </p:grpSpPr>
+      <p:sp>
+        <p:nvSpPr>
+          <p:cNvPr id="2" name="Title 1">
+            <a:extLst>
+              <a:ext uri="{FF2B5EF4-FFF2-40B4-BE49-F238E27FC236}">
+                <a16:creationId xmlns:a16="http://schemas.microsoft.com/office/drawing/2014/main" id="{517CBD04-A736-6B9F-9405-FE3BD91683D6}"/>
+              </a:ext>
+            </a:extLst>
+          </p:cNvPr>
+          <p:cNvSpPr>
+            <a:spLocks noGrp="1"/>
+          </p:cNvSpPr>
+          <p:nvPr>
+            <p:ph type="title"/>
+          </p:nvPr>
+        </p:nvSpPr>
+        <p:spPr/>
+        <p:txBody>
+          <a:bodyPr/>
+          <a:lstStyle/>
+          <a:p>
+            <a:r>
+              <a:rPr lang="en-IN" dirty="0"/>
+              <a:t>Annotated Tags</a:t>
+            </a:r>
+          </a:p>
+        </p:txBody>
+      </p:sp>
+      <p:sp>
+        <p:nvSpPr>
+          <p:cNvPr id="3" name="Content Placeholder 2">
+            <a:extLst>
+              <a:ext uri="{FF2B5EF4-FFF2-40B4-BE49-F238E27FC236}">
+                <a16:creationId xmlns:a16="http://schemas.microsoft.com/office/drawing/2014/main" id="{687A228C-A6D2-1C60-2595-C1414A39C28F}"/>
+              </a:ext>
+            </a:extLst>
+          </p:cNvPr>
+          <p:cNvSpPr>
+            <a:spLocks noGrp="1"/>
+          </p:cNvSpPr>
+          <p:nvPr>
+            <p:ph idx="1"/>
+          </p:nvPr>
+        </p:nvSpPr>
+        <p:spPr/>
+        <p:txBody>
+          <a:bodyPr/>
+          <a:lstStyle/>
+          <a:p>
+            <a:r>
+              <a:rPr lang="en-US" dirty="0"/>
+              <a:t>git tag -a v1.0 -m "Release version 1.0“</a:t>
+            </a:r>
+          </a:p>
+          <a:p>
+            <a:r>
+              <a:rPr lang="en-IN" dirty="0"/>
+              <a:t>git show v1.0</a:t>
+            </a:r>
+          </a:p>
+          <a:p>
+            <a:r>
+              <a:rPr lang="en-IN" dirty="0"/>
+              <a:t>git tag</a:t>
+            </a:r>
+          </a:p>
+          <a:p>
+            <a:r>
+              <a:rPr lang="en-IN" dirty="0"/>
+              <a:t>git push origin v1.0</a:t>
+            </a:r>
+          </a:p>
+          <a:p>
+            <a:r>
+              <a:rPr lang="en-IN" dirty="0"/>
+              <a:t>git push origin –tags (push all tags)</a:t>
+            </a:r>
+          </a:p>
+          <a:p>
+            <a:r>
+              <a:rPr lang="en-IN" dirty="0"/>
+              <a:t>git tag -d v1.0</a:t>
+            </a:r>
+          </a:p>
+          <a:p>
+            <a:r>
+              <a:rPr lang="en-IN" dirty="0"/>
+              <a:t>git push origin --delete v1.0 (delete remote tags)</a:t>
+            </a:r>
+          </a:p>
+        </p:txBody>
+      </p:sp>
+    </p:spTree>
+    <p:extLst>
+      <p:ext uri="{BB962C8B-B14F-4D97-AF65-F5344CB8AC3E}">
+        <p14:creationId xmlns:p14="http://schemas.microsoft.com/office/powerpoint/2010/main" val="904075311"/>
+      </p:ext>
+    </p:extLst>
+  </p:cSld>
+  <p:clrMapOvr>
+    <a:masterClrMapping/>
+  </p:clrMapOvr>
+</p:sld>
+</file>
+
+<file path=ppt/slides/slide25.xml><?xml version="1.0" encoding="utf-8"?>
+<p:sld xmlns:a="http://schemas.openxmlformats.org/drawingml/2006/main" xmlns:r="http://schemas.openxmlformats.org/officeDocument/2006/relationships" xmlns:p="http://schemas.openxmlformats.org/presentationml/2006/main">
+  <p:cSld>
+    <p:spTree>
+      <p:nvGrpSpPr>
+        <p:cNvPr id="1" name=""/>
+        <p:cNvGrpSpPr/>
+        <p:nvPr/>
+      </p:nvGrpSpPr>
+      <p:grpSpPr>
+        <a:xfrm>
+          <a:off x="0" y="0"/>
+          <a:ext cx="0" cy="0"/>
+          <a:chOff x="0" y="0"/>
+          <a:chExt cx="0" cy="0"/>
+        </a:xfrm>
+      </p:grpSpPr>
+      <p:sp>
+        <p:nvSpPr>
+          <p:cNvPr id="2" name="Title 1">
+            <a:extLst>
+              <a:ext uri="{FF2B5EF4-FFF2-40B4-BE49-F238E27FC236}">
+                <a16:creationId xmlns:a16="http://schemas.microsoft.com/office/drawing/2014/main" id="{12410EC3-8B7F-A045-2F84-F5E8BC41580C}"/>
+              </a:ext>
+            </a:extLst>
+          </p:cNvPr>
+          <p:cNvSpPr>
+            <a:spLocks noGrp="1"/>
+          </p:cNvSpPr>
+          <p:nvPr>
+            <p:ph type="title"/>
+          </p:nvPr>
+        </p:nvSpPr>
+        <p:spPr/>
+        <p:txBody>
+          <a:bodyPr/>
+          <a:lstStyle/>
+          <a:p>
+            <a:r>
+              <a:rPr lang="en-IN" dirty="0"/>
+              <a:t>Lightweight vs Annotated Tags</a:t>
+            </a:r>
+          </a:p>
+        </p:txBody>
+      </p:sp>
+      <p:graphicFrame>
+        <p:nvGraphicFramePr>
+          <p:cNvPr id="5" name="Content Placeholder 4">
+            <a:extLst>
+              <a:ext uri="{FF2B5EF4-FFF2-40B4-BE49-F238E27FC236}">
+                <a16:creationId xmlns:a16="http://schemas.microsoft.com/office/drawing/2014/main" id="{20AA6A9E-2C57-5AEB-07E7-DDD6D9F1E9B8}"/>
+              </a:ext>
+            </a:extLst>
+          </p:cNvPr>
+          <p:cNvGraphicFramePr>
+            <a:graphicFrameLocks noGrp="1"/>
+          </p:cNvGraphicFramePr>
+          <p:nvPr>
+            <p:ph idx="1"/>
+            <p:extLst>
+              <p:ext uri="{D42A27DB-BD31-4B8C-83A1-F6EECF244321}">
+                <p14:modId xmlns:p14="http://schemas.microsoft.com/office/powerpoint/2010/main" val="3650340608"/>
+              </p:ext>
+            </p:extLst>
+          </p:nvPr>
+        </p:nvGraphicFramePr>
+        <p:xfrm>
+          <a:off x="838200" y="3452654"/>
+          <a:ext cx="10515600" cy="1097280"/>
+        </p:xfrm>
+        <a:graphic>
+          <a:graphicData uri="http://schemas.openxmlformats.org/drawingml/2006/table">
+            <a:tbl>
+              <a:tblPr firstRow="1">
+                <a:tableStyleId>{3C2FFA5D-87B4-456A-9821-1D502468CF0F}</a:tableStyleId>
+              </a:tblPr>
+              <a:tblGrid>
+                <a:gridCol w="2628900">
+                  <a:extLst>
+                    <a:ext uri="{9D8B030D-6E8A-4147-A177-3AD203B41FA5}">
+                      <a16:colId xmlns:a16="http://schemas.microsoft.com/office/drawing/2014/main" val="2905387748"/>
+                    </a:ext>
+                  </a:extLst>
+                </a:gridCol>
+                <a:gridCol w="2628900">
+                  <a:extLst>
+                    <a:ext uri="{9D8B030D-6E8A-4147-A177-3AD203B41FA5}">
+                      <a16:colId xmlns:a16="http://schemas.microsoft.com/office/drawing/2014/main" val="3820438974"/>
+                    </a:ext>
+                  </a:extLst>
+                </a:gridCol>
+                <a:gridCol w="2628900">
+                  <a:extLst>
+                    <a:ext uri="{9D8B030D-6E8A-4147-A177-3AD203B41FA5}">
+                      <a16:colId xmlns:a16="http://schemas.microsoft.com/office/drawing/2014/main" val="1301865638"/>
+                    </a:ext>
+                  </a:extLst>
+                </a:gridCol>
+                <a:gridCol w="2628900">
+                  <a:extLst>
+                    <a:ext uri="{9D8B030D-6E8A-4147-A177-3AD203B41FA5}">
+                      <a16:colId xmlns:a16="http://schemas.microsoft.com/office/drawing/2014/main" val="703025280"/>
+                    </a:ext>
+                  </a:extLst>
+                </a:gridCol>
+              </a:tblGrid>
+              <a:tr h="0">
+                <a:tc>
+                  <a:txBody>
+                    <a:bodyPr/>
+                    <a:lstStyle/>
+                    <a:p>
+                      <a:pPr>
+                        <a:buNone/>
+                      </a:pPr>
+                      <a:r>
+                        <a:rPr lang="en-IN" dirty="0"/>
+                        <a:t>Tag Type</a:t>
+                      </a:r>
+                    </a:p>
+                  </a:txBody>
+                  <a:tcPr anchor="ctr"/>
+                </a:tc>
+                <a:tc>
+                  <a:txBody>
+                    <a:bodyPr/>
+                    <a:lstStyle/>
+                    <a:p>
+                      <a:pPr>
+                        <a:buNone/>
+                      </a:pPr>
+                      <a:r>
+                        <a:rPr lang="en-IN"/>
+                        <a:t>Metadata Included</a:t>
+                      </a:r>
+                    </a:p>
+                  </a:txBody>
+                  <a:tcPr anchor="ctr"/>
+                </a:tc>
+                <a:tc>
+                  <a:txBody>
+                    <a:bodyPr/>
+                    <a:lstStyle/>
+                    <a:p>
+                      <a:pPr>
+                        <a:buNone/>
+                      </a:pPr>
+                      <a:r>
+                        <a:rPr lang="en-IN"/>
+                        <a:t>Use Case</a:t>
+                      </a:r>
+                    </a:p>
+                  </a:txBody>
+                  <a:tcPr anchor="ctr"/>
+                </a:tc>
+                <a:tc>
+                  <a:txBody>
+                    <a:bodyPr/>
+                    <a:lstStyle/>
+                    <a:p>
+                      <a:pPr>
+                        <a:buNone/>
+                      </a:pPr>
+                      <a:r>
+                        <a:rPr lang="en-IN"/>
+                        <a:t>Remote Push</a:t>
+                      </a:r>
+                    </a:p>
+                  </a:txBody>
+                  <a:tcPr anchor="ctr"/>
+                </a:tc>
+                <a:extLst>
+                  <a:ext uri="{0D108BD9-81ED-4DB2-BD59-A6C34878D82A}">
+                    <a16:rowId xmlns:a16="http://schemas.microsoft.com/office/drawing/2014/main" val="1134384411"/>
+                  </a:ext>
+                </a:extLst>
+              </a:tr>
+              <a:tr h="0">
+                <a:tc>
+                  <a:txBody>
+                    <a:bodyPr/>
+                    <a:lstStyle/>
+                    <a:p>
+                      <a:pPr>
+                        <a:buNone/>
+                      </a:pPr>
+                      <a:r>
+                        <a:rPr lang="en-IN"/>
+                        <a:t>Lightweight</a:t>
+                      </a:r>
+                    </a:p>
+                  </a:txBody>
+                  <a:tcPr anchor="ctr"/>
+                </a:tc>
+                <a:tc>
+                  <a:txBody>
+                    <a:bodyPr/>
+                    <a:lstStyle/>
+                    <a:p>
+                      <a:pPr>
+                        <a:buNone/>
+                      </a:pPr>
+                      <a:r>
+                        <a:rPr lang="en-IN"/>
+                        <a:t>❌ No</a:t>
+                      </a:r>
+                    </a:p>
+                  </a:txBody>
+                  <a:tcPr anchor="ctr"/>
+                </a:tc>
+                <a:tc>
+                  <a:txBody>
+                    <a:bodyPr/>
+                    <a:lstStyle/>
+                    <a:p>
+                      <a:pPr>
+                        <a:buNone/>
+                      </a:pPr>
+                      <a:r>
+                        <a:rPr lang="en-IN"/>
+                        <a:t>Local markers, quick use</a:t>
+                      </a:r>
+                    </a:p>
+                  </a:txBody>
+                  <a:tcPr anchor="ctr"/>
+                </a:tc>
+                <a:tc>
+                  <a:txBody>
+                    <a:bodyPr/>
+                    <a:lstStyle/>
+                    <a:p>
+                      <a:pPr>
+                        <a:buNone/>
+                      </a:pPr>
+                      <a:r>
+                        <a:rPr lang="en-IN"/>
+                        <a:t>git push origin &lt;tag&gt;</a:t>
+                      </a:r>
+                    </a:p>
+                  </a:txBody>
+                  <a:tcPr anchor="ctr"/>
+                </a:tc>
+                <a:extLst>
+                  <a:ext uri="{0D108BD9-81ED-4DB2-BD59-A6C34878D82A}">
+                    <a16:rowId xmlns:a16="http://schemas.microsoft.com/office/drawing/2014/main" val="2314670670"/>
+                  </a:ext>
+                </a:extLst>
+              </a:tr>
+              <a:tr h="0">
+                <a:tc>
+                  <a:txBody>
+                    <a:bodyPr/>
+                    <a:lstStyle/>
+                    <a:p>
+                      <a:pPr>
+                        <a:buNone/>
+                      </a:pPr>
+                      <a:r>
+                        <a:rPr lang="en-IN"/>
+                        <a:t>Annotated</a:t>
+                      </a:r>
+                    </a:p>
+                  </a:txBody>
+                  <a:tcPr anchor="ctr"/>
+                </a:tc>
+                <a:tc>
+                  <a:txBody>
+                    <a:bodyPr/>
+                    <a:lstStyle/>
+                    <a:p>
+                      <a:pPr>
+                        <a:buNone/>
+                      </a:pPr>
+                      <a:r>
+                        <a:rPr lang="en-IN"/>
+                        <a:t>✅ Yes</a:t>
+                      </a:r>
+                    </a:p>
+                  </a:txBody>
+                  <a:tcPr anchor="ctr"/>
+                </a:tc>
+                <a:tc>
+                  <a:txBody>
+                    <a:bodyPr/>
+                    <a:lstStyle/>
+                    <a:p>
+                      <a:pPr>
+                        <a:buNone/>
+                      </a:pPr>
+                      <a:r>
+                        <a:rPr lang="en-IN"/>
+                        <a:t>Releases, CI/CD pipelines</a:t>
+                      </a:r>
+                    </a:p>
+                  </a:txBody>
+                  <a:tcPr anchor="ctr"/>
+                </a:tc>
+                <a:tc>
+                  <a:txBody>
+                    <a:bodyPr/>
+                    <a:lstStyle/>
+                    <a:p>
+                      <a:pPr>
+                        <a:buNone/>
+                      </a:pPr>
+                      <a:r>
+                        <a:rPr lang="en-IN" dirty="0"/>
+                        <a:t>git push origin &lt;tag&gt;</a:t>
+                      </a:r>
+                    </a:p>
+                  </a:txBody>
+                  <a:tcPr anchor="ctr"/>
+                </a:tc>
+                <a:extLst>
+                  <a:ext uri="{0D108BD9-81ED-4DB2-BD59-A6C34878D82A}">
+                    <a16:rowId xmlns:a16="http://schemas.microsoft.com/office/drawing/2014/main" val="1737064205"/>
+                  </a:ext>
+                </a:extLst>
+              </a:tr>
+            </a:tbl>
+          </a:graphicData>
+        </a:graphic>
+      </p:graphicFrame>
+    </p:spTree>
+    <p:extLst>
+      <p:ext uri="{BB962C8B-B14F-4D97-AF65-F5344CB8AC3E}">
+        <p14:creationId xmlns:p14="http://schemas.microsoft.com/office/powerpoint/2010/main" val="632332930"/>
+      </p:ext>
+    </p:extLst>
+  </p:cSld>
+  <p:clrMapOvr>
+    <a:masterClrMapping/>
+  </p:clrMapOvr>
+</p:sld>
+</file>
+
+<file path=ppt/slides/slide26.xml><?xml version="1.0" encoding="utf-8"?>
+<p:sld xmlns:a="http://schemas.openxmlformats.org/drawingml/2006/main" xmlns:r="http://schemas.openxmlformats.org/officeDocument/2006/relationships" xmlns:p="http://schemas.openxmlformats.org/presentationml/2006/main">
+  <p:cSld>
+    <p:spTree>
+      <p:nvGrpSpPr>
+        <p:cNvPr id="1" name=""/>
+        <p:cNvGrpSpPr/>
+        <p:nvPr/>
+      </p:nvGrpSpPr>
+      <p:grpSpPr>
+        <a:xfrm>
+          <a:off x="0" y="0"/>
+          <a:ext cx="0" cy="0"/>
+          <a:chOff x="0" y="0"/>
+          <a:chExt cx="0" cy="0"/>
+        </a:xfrm>
+      </p:grpSpPr>
+      <p:sp>
+        <p:nvSpPr>
+          <p:cNvPr id="2" name="Title 1">
+            <a:extLst>
+              <a:ext uri="{FF2B5EF4-FFF2-40B4-BE49-F238E27FC236}">
+                <a16:creationId xmlns:a16="http://schemas.microsoft.com/office/drawing/2014/main" id="{A6D9A001-1859-926A-8097-6E11C89CF839}"/>
+              </a:ext>
+            </a:extLst>
+          </p:cNvPr>
+          <p:cNvSpPr>
+            <a:spLocks noGrp="1"/>
+          </p:cNvSpPr>
+          <p:nvPr>
+            <p:ph type="title"/>
+          </p:nvPr>
+        </p:nvSpPr>
+        <p:spPr/>
+        <p:txBody>
+          <a:bodyPr/>
+          <a:lstStyle/>
+          <a:p>
+            <a:r>
+              <a:rPr lang="en-US" dirty="0"/>
+              <a:t>Uncommit, Unstaged, Untracked</a:t>
+            </a:r>
+            <a:endParaRPr lang="en-IN" dirty="0"/>
+          </a:p>
+        </p:txBody>
+      </p:sp>
+      <p:sp>
+        <p:nvSpPr>
+          <p:cNvPr id="3" name="Content Placeholder 2">
+            <a:extLst>
+              <a:ext uri="{FF2B5EF4-FFF2-40B4-BE49-F238E27FC236}">
+                <a16:creationId xmlns:a16="http://schemas.microsoft.com/office/drawing/2014/main" id="{99A4583F-9443-5E59-D5E9-73BA2330877D}"/>
+              </a:ext>
+            </a:extLst>
+          </p:cNvPr>
+          <p:cNvSpPr>
+            <a:spLocks noGrp="1"/>
+          </p:cNvSpPr>
+          <p:nvPr>
+            <p:ph idx="1"/>
+          </p:nvPr>
+        </p:nvSpPr>
+        <p:spPr/>
+        <p:txBody>
+          <a:bodyPr/>
+          <a:lstStyle/>
+          <a:p>
+            <a:r>
+              <a:rPr lang="en-IN" dirty="0"/>
+              <a:t>git reset --soft HEAD~1</a:t>
+            </a:r>
+          </a:p>
+          <a:p>
+            <a:r>
+              <a:rPr lang="en-IN" dirty="0"/>
+              <a:t>git reset HEAD &lt;file-name&gt;</a:t>
+            </a:r>
+          </a:p>
+          <a:p>
+            <a:r>
+              <a:rPr lang="en-IN" dirty="0"/>
+              <a:t>git rm --cached &lt;file-name&gt;</a:t>
+            </a:r>
+          </a:p>
+          <a:p>
+            <a:endParaRPr lang="en-IN" dirty="0"/>
+          </a:p>
+        </p:txBody>
+      </p:sp>
+    </p:spTree>
+    <p:extLst>
+      <p:ext uri="{BB962C8B-B14F-4D97-AF65-F5344CB8AC3E}">
+        <p14:creationId xmlns:p14="http://schemas.microsoft.com/office/powerpoint/2010/main" val="620197942"/>
+      </p:ext>
+    </p:extLst>
+  </p:cSld>
+  <p:clrMapOvr>
+    <a:masterClrMapping/>
+  </p:clrMapOvr>
+</p:sld>
+</file>
+
+<file path=ppt/slides/slide27.xml><?xml version="1.0" encoding="utf-8"?>
 <p:sld xmlns:a="http://schemas.openxmlformats.org/drawingml/2006/main" xmlns:r="http://schemas.openxmlformats.org/officeDocument/2006/relationships" xmlns:p="http://schemas.openxmlformats.org/presentationml/2006/main">
   <p:cSld>
     <p:spTree>
@@ -7365,6 +8438,413 @@
           <a:chExt cx="0" cy="0"/>
         </a:xfrm>
       </p:grpSpPr>
+      <p:sp>
+        <p:nvSpPr>
+          <p:cNvPr id="2" name="Title 1">
+            <a:extLst>
+              <a:ext uri="{FF2B5EF4-FFF2-40B4-BE49-F238E27FC236}">
+                <a16:creationId xmlns:a16="http://schemas.microsoft.com/office/drawing/2014/main" id="{E3DA7BA2-EF59-DEFF-310E-20DBA6D6D678}"/>
+              </a:ext>
+            </a:extLst>
+          </p:cNvPr>
+          <p:cNvSpPr>
+            <a:spLocks noGrp="1"/>
+          </p:cNvSpPr>
+          <p:nvPr>
+            <p:ph type="title"/>
+          </p:nvPr>
+        </p:nvSpPr>
+        <p:spPr/>
+        <p:txBody>
+          <a:bodyPr/>
+          <a:lstStyle/>
+          <a:p>
+            <a:r>
+              <a:rPr lang="en-IN" dirty="0"/>
+              <a:t>Three Levels of Reset</a:t>
+            </a:r>
+          </a:p>
+        </p:txBody>
+      </p:sp>
+      <p:graphicFrame>
+        <p:nvGraphicFramePr>
+          <p:cNvPr id="4" name="Content Placeholder 3">
+            <a:extLst>
+              <a:ext uri="{FF2B5EF4-FFF2-40B4-BE49-F238E27FC236}">
+                <a16:creationId xmlns:a16="http://schemas.microsoft.com/office/drawing/2014/main" id="{2CE4AF17-0521-A1B9-CBFC-00054F45096A}"/>
+              </a:ext>
+            </a:extLst>
+          </p:cNvPr>
+          <p:cNvGraphicFramePr>
+            <a:graphicFrameLocks noGrp="1"/>
+          </p:cNvGraphicFramePr>
+          <p:nvPr>
+            <p:ph idx="1"/>
+            <p:extLst>
+              <p:ext uri="{D42A27DB-BD31-4B8C-83A1-F6EECF244321}">
+                <p14:modId xmlns:p14="http://schemas.microsoft.com/office/powerpoint/2010/main" val="2276536008"/>
+              </p:ext>
+            </p:extLst>
+          </p:nvPr>
+        </p:nvGraphicFramePr>
+        <p:xfrm>
+          <a:off x="838200" y="3269774"/>
+          <a:ext cx="10515600" cy="1463040"/>
+        </p:xfrm>
+        <a:graphic>
+          <a:graphicData uri="http://schemas.openxmlformats.org/drawingml/2006/table">
+            <a:tbl>
+              <a:tblPr firstRow="1">
+                <a:tableStyleId>{3C2FFA5D-87B4-456A-9821-1D502468CF0F}</a:tableStyleId>
+              </a:tblPr>
+              <a:tblGrid>
+                <a:gridCol w="2628900">
+                  <a:extLst>
+                    <a:ext uri="{9D8B030D-6E8A-4147-A177-3AD203B41FA5}">
+                      <a16:colId xmlns:a16="http://schemas.microsoft.com/office/drawing/2014/main" val="8589481"/>
+                    </a:ext>
+                  </a:extLst>
+                </a:gridCol>
+                <a:gridCol w="2628900">
+                  <a:extLst>
+                    <a:ext uri="{9D8B030D-6E8A-4147-A177-3AD203B41FA5}">
+                      <a16:colId xmlns:a16="http://schemas.microsoft.com/office/drawing/2014/main" val="594781131"/>
+                    </a:ext>
+                  </a:extLst>
+                </a:gridCol>
+                <a:gridCol w="2628900">
+                  <a:extLst>
+                    <a:ext uri="{9D8B030D-6E8A-4147-A177-3AD203B41FA5}">
+                      <a16:colId xmlns:a16="http://schemas.microsoft.com/office/drawing/2014/main" val="1930454700"/>
+                    </a:ext>
+                  </a:extLst>
+                </a:gridCol>
+                <a:gridCol w="2628900">
+                  <a:extLst>
+                    <a:ext uri="{9D8B030D-6E8A-4147-A177-3AD203B41FA5}">
+                      <a16:colId xmlns:a16="http://schemas.microsoft.com/office/drawing/2014/main" val="2142201155"/>
+                    </a:ext>
+                  </a:extLst>
+                </a:gridCol>
+              </a:tblGrid>
+              <a:tr h="0">
+                <a:tc>
+                  <a:txBody>
+                    <a:bodyPr/>
+                    <a:lstStyle/>
+                    <a:p>
+                      <a:pPr>
+                        <a:buNone/>
+                      </a:pPr>
+                      <a:r>
+                        <a:rPr lang="en-IN"/>
+                        <a:t>Option</a:t>
+                      </a:r>
+                    </a:p>
+                  </a:txBody>
+                  <a:tcPr anchor="ctr"/>
+                </a:tc>
+                <a:tc>
+                  <a:txBody>
+                    <a:bodyPr/>
+                    <a:lstStyle/>
+                    <a:p>
+                      <a:pPr>
+                        <a:buNone/>
+                      </a:pPr>
+                      <a:r>
+                        <a:rPr lang="en-IN"/>
+                        <a:t>Affects HEAD</a:t>
+                      </a:r>
+                    </a:p>
+                  </a:txBody>
+                  <a:tcPr anchor="ctr"/>
+                </a:tc>
+                <a:tc>
+                  <a:txBody>
+                    <a:bodyPr/>
+                    <a:lstStyle/>
+                    <a:p>
+                      <a:pPr>
+                        <a:buNone/>
+                      </a:pPr>
+                      <a:r>
+                        <a:rPr lang="en-IN"/>
+                        <a:t>Affects Staging (Index)</a:t>
+                      </a:r>
+                    </a:p>
+                  </a:txBody>
+                  <a:tcPr anchor="ctr"/>
+                </a:tc>
+                <a:tc>
+                  <a:txBody>
+                    <a:bodyPr/>
+                    <a:lstStyle/>
+                    <a:p>
+                      <a:pPr>
+                        <a:buNone/>
+                      </a:pPr>
+                      <a:r>
+                        <a:rPr lang="en-IN"/>
+                        <a:t>Affects Working Dir</a:t>
+                      </a:r>
+                    </a:p>
+                  </a:txBody>
+                  <a:tcPr anchor="ctr"/>
+                </a:tc>
+                <a:extLst>
+                  <a:ext uri="{0D108BD9-81ED-4DB2-BD59-A6C34878D82A}">
+                    <a16:rowId xmlns:a16="http://schemas.microsoft.com/office/drawing/2014/main" val="3977911002"/>
+                  </a:ext>
+                </a:extLst>
+              </a:tr>
+              <a:tr h="0">
+                <a:tc>
+                  <a:txBody>
+                    <a:bodyPr/>
+                    <a:lstStyle/>
+                    <a:p>
+                      <a:pPr>
+                        <a:buNone/>
+                      </a:pPr>
+                      <a:r>
+                        <a:rPr lang="en-IN"/>
+                        <a:t>--soft</a:t>
+                      </a:r>
+                    </a:p>
+                  </a:txBody>
+                  <a:tcPr anchor="ctr"/>
+                </a:tc>
+                <a:tc>
+                  <a:txBody>
+                    <a:bodyPr/>
+                    <a:lstStyle/>
+                    <a:p>
+                      <a:pPr>
+                        <a:buNone/>
+                      </a:pPr>
+                      <a:r>
+                        <a:rPr lang="en-IN"/>
+                        <a:t>✅ Yes</a:t>
+                      </a:r>
+                    </a:p>
+                  </a:txBody>
+                  <a:tcPr anchor="ctr"/>
+                </a:tc>
+                <a:tc>
+                  <a:txBody>
+                    <a:bodyPr/>
+                    <a:lstStyle/>
+                    <a:p>
+                      <a:pPr>
+                        <a:buNone/>
+                      </a:pPr>
+                      <a:r>
+                        <a:rPr lang="en-IN"/>
+                        <a:t>❌ No</a:t>
+                      </a:r>
+                    </a:p>
+                  </a:txBody>
+                  <a:tcPr anchor="ctr"/>
+                </a:tc>
+                <a:tc>
+                  <a:txBody>
+                    <a:bodyPr/>
+                    <a:lstStyle/>
+                    <a:p>
+                      <a:pPr>
+                        <a:buNone/>
+                      </a:pPr>
+                      <a:r>
+                        <a:rPr lang="en-IN"/>
+                        <a:t>❌ No</a:t>
+                      </a:r>
+                    </a:p>
+                  </a:txBody>
+                  <a:tcPr anchor="ctr"/>
+                </a:tc>
+                <a:extLst>
+                  <a:ext uri="{0D108BD9-81ED-4DB2-BD59-A6C34878D82A}">
+                    <a16:rowId xmlns:a16="http://schemas.microsoft.com/office/drawing/2014/main" val="1949307355"/>
+                  </a:ext>
+                </a:extLst>
+              </a:tr>
+              <a:tr h="0">
+                <a:tc>
+                  <a:txBody>
+                    <a:bodyPr/>
+                    <a:lstStyle/>
+                    <a:p>
+                      <a:pPr>
+                        <a:buNone/>
+                      </a:pPr>
+                      <a:r>
+                        <a:rPr lang="en-IN"/>
+                        <a:t>--mixed (default)</a:t>
+                      </a:r>
+                    </a:p>
+                  </a:txBody>
+                  <a:tcPr anchor="ctr"/>
+                </a:tc>
+                <a:tc>
+                  <a:txBody>
+                    <a:bodyPr/>
+                    <a:lstStyle/>
+                    <a:p>
+                      <a:pPr>
+                        <a:buNone/>
+                      </a:pPr>
+                      <a:r>
+                        <a:rPr lang="en-IN"/>
+                        <a:t>✅ Yes</a:t>
+                      </a:r>
+                    </a:p>
+                  </a:txBody>
+                  <a:tcPr anchor="ctr"/>
+                </a:tc>
+                <a:tc>
+                  <a:txBody>
+                    <a:bodyPr/>
+                    <a:lstStyle/>
+                    <a:p>
+                      <a:pPr>
+                        <a:buNone/>
+                      </a:pPr>
+                      <a:r>
+                        <a:rPr lang="en-IN"/>
+                        <a:t>✅ Yes</a:t>
+                      </a:r>
+                    </a:p>
+                  </a:txBody>
+                  <a:tcPr anchor="ctr"/>
+                </a:tc>
+                <a:tc>
+                  <a:txBody>
+                    <a:bodyPr/>
+                    <a:lstStyle/>
+                    <a:p>
+                      <a:pPr>
+                        <a:buNone/>
+                      </a:pPr>
+                      <a:r>
+                        <a:rPr lang="en-IN"/>
+                        <a:t>❌ No</a:t>
+                      </a:r>
+                    </a:p>
+                  </a:txBody>
+                  <a:tcPr anchor="ctr"/>
+                </a:tc>
+                <a:extLst>
+                  <a:ext uri="{0D108BD9-81ED-4DB2-BD59-A6C34878D82A}">
+                    <a16:rowId xmlns:a16="http://schemas.microsoft.com/office/drawing/2014/main" val="2304428722"/>
+                  </a:ext>
+                </a:extLst>
+              </a:tr>
+              <a:tr h="0">
+                <a:tc>
+                  <a:txBody>
+                    <a:bodyPr/>
+                    <a:lstStyle/>
+                    <a:p>
+                      <a:pPr>
+                        <a:buNone/>
+                      </a:pPr>
+                      <a:r>
+                        <a:rPr lang="en-IN"/>
+                        <a:t>--hard</a:t>
+                      </a:r>
+                    </a:p>
+                  </a:txBody>
+                  <a:tcPr anchor="ctr"/>
+                </a:tc>
+                <a:tc>
+                  <a:txBody>
+                    <a:bodyPr/>
+                    <a:lstStyle/>
+                    <a:p>
+                      <a:pPr>
+                        <a:buNone/>
+                      </a:pPr>
+                      <a:r>
+                        <a:rPr lang="en-IN"/>
+                        <a:t>✅ Yes</a:t>
+                      </a:r>
+                    </a:p>
+                  </a:txBody>
+                  <a:tcPr anchor="ctr"/>
+                </a:tc>
+                <a:tc>
+                  <a:txBody>
+                    <a:bodyPr/>
+                    <a:lstStyle/>
+                    <a:p>
+                      <a:pPr>
+                        <a:buNone/>
+                      </a:pPr>
+                      <a:r>
+                        <a:rPr lang="en-IN"/>
+                        <a:t>✅ Yes</a:t>
+                      </a:r>
+                    </a:p>
+                  </a:txBody>
+                  <a:tcPr anchor="ctr"/>
+                </a:tc>
+                <a:tc>
+                  <a:txBody>
+                    <a:bodyPr/>
+                    <a:lstStyle/>
+                    <a:p>
+                      <a:pPr>
+                        <a:buNone/>
+                      </a:pPr>
+                      <a:r>
+                        <a:rPr lang="en-IN" dirty="0"/>
+                        <a:t>✅ Yes</a:t>
+                      </a:r>
+                    </a:p>
+                  </a:txBody>
+                  <a:tcPr anchor="ctr"/>
+                </a:tc>
+                <a:extLst>
+                  <a:ext uri="{0D108BD9-81ED-4DB2-BD59-A6C34878D82A}">
+                    <a16:rowId xmlns:a16="http://schemas.microsoft.com/office/drawing/2014/main" val="3310491621"/>
+                  </a:ext>
+                </a:extLst>
+              </a:tr>
+            </a:tbl>
+          </a:graphicData>
+        </a:graphic>
+      </p:graphicFrame>
+    </p:spTree>
+    <p:extLst>
+      <p:ext uri="{BB962C8B-B14F-4D97-AF65-F5344CB8AC3E}">
+        <p14:creationId xmlns:p14="http://schemas.microsoft.com/office/powerpoint/2010/main" val="335806898"/>
+      </p:ext>
+    </p:extLst>
+  </p:cSld>
+  <p:clrMapOvr>
+    <a:masterClrMapping/>
+  </p:clrMapOvr>
+</p:sld>
+</file>
+
+<file path=ppt/slides/slide7.xml><?xml version="1.0" encoding="utf-8"?>
+<p:sld xmlns:a="http://schemas.openxmlformats.org/drawingml/2006/main" xmlns:r="http://schemas.openxmlformats.org/officeDocument/2006/relationships" xmlns:p="http://schemas.openxmlformats.org/presentationml/2006/main">
+  <p:cSld>
+    <p:spTree>
+      <p:nvGrpSpPr>
+        <p:cNvPr id="1" name=""/>
+        <p:cNvGrpSpPr/>
+        <p:nvPr/>
+      </p:nvGrpSpPr>
+      <p:grpSpPr>
+        <a:xfrm>
+          <a:off x="0" y="0"/>
+          <a:ext cx="0" cy="0"/>
+          <a:chOff x="0" y="0"/>
+          <a:chExt cx="0" cy="0"/>
+        </a:xfrm>
+      </p:grpSpPr>
       <p:graphicFrame>
         <p:nvGraphicFramePr>
           <p:cNvPr id="4" name="Table 3">
@@ -7817,7 +9297,7 @@
 </p:sld>
 </file>
 
-<file path=ppt/slides/slide7.xml><?xml version="1.0" encoding="utf-8"?>
+<file path=ppt/slides/slide8.xml><?xml version="1.0" encoding="utf-8"?>
 <p:sld xmlns:a="http://schemas.openxmlformats.org/drawingml/2006/main" xmlns:r="http://schemas.openxmlformats.org/officeDocument/2006/relationships" xmlns:p="http://schemas.openxmlformats.org/presentationml/2006/main">
   <p:cSld>
     <p:spTree>
@@ -8079,7 +9559,7 @@
 </p:sld>
 </file>
 
-<file path=ppt/slides/slide8.xml><?xml version="1.0" encoding="utf-8"?>
+<file path=ppt/slides/slide9.xml><?xml version="1.0" encoding="utf-8"?>
 <p:sld xmlns:a="http://schemas.openxmlformats.org/drawingml/2006/main" xmlns:r="http://schemas.openxmlformats.org/officeDocument/2006/relationships" xmlns:p="http://schemas.openxmlformats.org/presentationml/2006/main">
   <p:cSld>
     <p:spTree>
@@ -8348,156 +9828,6 @@
     <p:extLst>
       <p:ext uri="{BB962C8B-B14F-4D97-AF65-F5344CB8AC3E}">
         <p14:creationId xmlns:p14="http://schemas.microsoft.com/office/powerpoint/2010/main" val="4002459623"/>
-      </p:ext>
-    </p:extLst>
-  </p:cSld>
-  <p:clrMapOvr>
-    <a:masterClrMapping/>
-  </p:clrMapOvr>
-</p:sld>
-</file>
-
-<file path=ppt/slides/slide9.xml><?xml version="1.0" encoding="utf-8"?>
-<p:sld xmlns:a="http://schemas.openxmlformats.org/drawingml/2006/main" xmlns:r="http://schemas.openxmlformats.org/officeDocument/2006/relationships" xmlns:p="http://schemas.openxmlformats.org/presentationml/2006/main">
-  <p:cSld>
-    <p:spTree>
-      <p:nvGrpSpPr>
-        <p:cNvPr id="1" name=""/>
-        <p:cNvGrpSpPr/>
-        <p:nvPr/>
-      </p:nvGrpSpPr>
-      <p:grpSpPr>
-        <a:xfrm>
-          <a:off x="0" y="0"/>
-          <a:ext cx="0" cy="0"/>
-          <a:chOff x="0" y="0"/>
-          <a:chExt cx="0" cy="0"/>
-        </a:xfrm>
-      </p:grpSpPr>
-      <p:sp>
-        <p:nvSpPr>
-          <p:cNvPr id="4" name="TextBox 3">
-            <a:extLst>
-              <a:ext uri="{FF2B5EF4-FFF2-40B4-BE49-F238E27FC236}">
-                <a16:creationId xmlns:a16="http://schemas.microsoft.com/office/drawing/2014/main" id="{D8F93EAF-0AD0-13F9-AEC8-82377BD25CB8}"/>
-              </a:ext>
-            </a:extLst>
-          </p:cNvPr>
-          <p:cNvSpPr txBox="1"/>
-          <p:nvPr/>
-        </p:nvSpPr>
-        <p:spPr>
-          <a:xfrm>
-            <a:off x="1478604" y="407446"/>
-            <a:ext cx="10359957" cy="4420890"/>
-          </a:xfrm>
-          <a:prstGeom prst="rect">
-            <a:avLst/>
-          </a:prstGeom>
-          <a:noFill/>
-        </p:spPr>
-        <p:txBody>
-          <a:bodyPr wrap="square" rtlCol="0">
-            <a:spAutoFit/>
-          </a:bodyPr>
-          <a:lstStyle/>
-          <a:p>
-            <a:pPr algn="l"/>
-            <a:r>
-              <a:rPr lang="en-US" sz="2400" dirty="0">
-                <a:solidFill>
-                  <a:schemeClr val="accent1"/>
-                </a:solidFill>
-              </a:rPr>
-              <a:t>git config --global alias.&lt;alias-name&gt; &lt;git-command&gt;: </a:t>
-            </a:r>
-            <a:r>
-              <a:rPr lang="en-US" sz="2400" dirty="0"/>
-              <a:t>Creates an alias for a frequently used Git command.</a:t>
-            </a:r>
-          </a:p>
-          <a:p>
-            <a:pPr algn="l"/>
-            <a:endParaRPr lang="en-US" sz="2400" dirty="0"/>
-          </a:p>
-          <a:p>
-            <a:pPr algn="l"/>
-            <a:r>
-              <a:rPr lang="en-US" sz="2400" dirty="0"/>
-              <a:t>git config –global user.name “</a:t>
-            </a:r>
-            <a:r>
-              <a:rPr lang="en-US" sz="2400" dirty="0" err="1"/>
-              <a:t>pranjal</a:t>
-            </a:r>
-            <a:r>
-              <a:rPr lang="en-US" sz="2400" dirty="0"/>
-              <a:t>”</a:t>
-            </a:r>
-          </a:p>
-          <a:p>
-            <a:pPr algn="l"/>
-            <a:r>
-              <a:rPr lang="en-US" sz="2400" dirty="0"/>
-              <a:t>git config –global </a:t>
-            </a:r>
-            <a:r>
-              <a:rPr lang="en-US" sz="2400" dirty="0" err="1"/>
-              <a:t>user.email</a:t>
-            </a:r>
-            <a:r>
-              <a:rPr lang="en-US" sz="2400" dirty="0"/>
-              <a:t> “”</a:t>
-            </a:r>
-          </a:p>
-          <a:p>
-            <a:pPr algn="l"/>
-            <a:endParaRPr lang="en-US" sz="2400" dirty="0"/>
-          </a:p>
-          <a:p>
-            <a:pPr algn="l"/>
-            <a:r>
-              <a:rPr lang="en-US" sz="2400"/>
-              <a:t>C:\Users\Username\.gitconfig</a:t>
-            </a:r>
-            <a:endParaRPr lang="en-US" sz="2400" dirty="0"/>
-          </a:p>
-          <a:p>
-            <a:pPr algn="l"/>
-            <a:endParaRPr lang="en-US" sz="2400" dirty="0"/>
-          </a:p>
-          <a:p>
-            <a:pPr>
-              <a:lnSpc>
-                <a:spcPct val="200000"/>
-              </a:lnSpc>
-            </a:pPr>
-            <a:endParaRPr lang="en-US" sz="2400" dirty="0">
-              <a:solidFill>
-                <a:schemeClr val="accent1"/>
-              </a:solidFill>
-            </a:endParaRPr>
-          </a:p>
-          <a:p>
-            <a:pPr>
-              <a:lnSpc>
-                <a:spcPct val="200000"/>
-              </a:lnSpc>
-            </a:pPr>
-            <a:endParaRPr lang="en-US" sz="2400" b="0" i="0" dirty="0">
-              <a:solidFill>
-                <a:srgbClr val="374151"/>
-              </a:solidFill>
-              <a:effectLst/>
-              <a:latin typeface="Söhne"/>
-            </a:endParaRPr>
-          </a:p>
-        </p:txBody>
-      </p:sp>
-    </p:spTree>
-    <p:extLst>
-      <p:ext uri="{BB962C8B-B14F-4D97-AF65-F5344CB8AC3E}">
-        <p14:creationId xmlns:p14="http://schemas.microsoft.com/office/powerpoint/2010/main" val="3818197201"/>
       </p:ext>
     </p:extLst>
   </p:cSld>
